--- a/pics/2020-07-07-Euler_Formula/pics.pptx
+++ b/pics/2020-07-07-Euler_Formula/pics.pptx
@@ -5,10 +5,11 @@
     <p:sldMasterId id="2147483648" r:id="rId1"/>
   </p:sldMasterIdLst>
   <p:sldIdLst>
-    <p:sldId id="258" r:id="rId2"/>
-    <p:sldId id="256" r:id="rId3"/>
-    <p:sldId id="257" r:id="rId4"/>
-    <p:sldId id="259" r:id="rId5"/>
+    <p:sldId id="260" r:id="rId2"/>
+    <p:sldId id="258" r:id="rId3"/>
+    <p:sldId id="256" r:id="rId4"/>
+    <p:sldId id="257" r:id="rId5"/>
+    <p:sldId id="259" r:id="rId6"/>
   </p:sldIdLst>
   <p:sldSz cx="9144000" cy="6858000" type="screen4x3"/>
   <p:notesSz cx="6858000" cy="9144000"/>
@@ -3100,6 +3101,516 @@
       </p:grpSpPr>
       <p:pic>
         <p:nvPicPr>
+          <p:cNvPr id="2052" name="Picture 4"/>
+          <p:cNvPicPr>
+            <a:picLocks noChangeAspect="1" noChangeArrowheads="1"/>
+          </p:cNvPicPr>
+          <p:nvPr/>
+        </p:nvPicPr>
+        <p:blipFill>
+          <a:blip r:embed="rId2">
+            <a:extLst>
+              <a:ext uri="{28A0092B-C50C-407E-A947-70E740481C1C}">
+                <a14:useLocalDpi xmlns:a14="http://schemas.microsoft.com/office/drawing/2010/main" val="0"/>
+              </a:ext>
+            </a:extLst>
+          </a:blip>
+          <a:srcRect/>
+          <a:stretch>
+            <a:fillRect/>
+          </a:stretch>
+        </p:blipFill>
+        <p:spPr bwMode="auto">
+          <a:xfrm>
+            <a:off x="-185738" y="341313"/>
+            <a:ext cx="9515476" cy="6181725"/>
+          </a:xfrm>
+          <a:prstGeom prst="rect">
+            <a:avLst/>
+          </a:prstGeom>
+          <a:noFill/>
+          <a:ln>
+            <a:noFill/>
+          </a:ln>
+          <a:effectLst/>
+          <a:extLst>
+            <a:ext uri="{909E8E84-426E-40DD-AFC4-6F175D3DCCD1}">
+              <a14:hiddenFill xmlns:a14="http://schemas.microsoft.com/office/drawing/2010/main">
+                <a:solidFill>
+                  <a:schemeClr val="accent1"/>
+                </a:solidFill>
+              </a14:hiddenFill>
+            </a:ext>
+            <a:ext uri="{91240B29-F687-4F45-9708-019B960494DF}">
+              <a14:hiddenLine xmlns:a14="http://schemas.microsoft.com/office/drawing/2010/main" w="9525">
+                <a:solidFill>
+                  <a:schemeClr val="tx1"/>
+                </a:solidFill>
+                <a:miter lim="800000"/>
+                <a:headEnd/>
+                <a:tailEnd/>
+              </a14:hiddenLine>
+            </a:ext>
+            <a:ext uri="{AF507438-7753-43E0-B8FC-AC1667EBCBE1}">
+              <a14:hiddenEffects xmlns:a14="http://schemas.microsoft.com/office/drawing/2010/main">
+                <a:effectLst>
+                  <a:outerShdw dist="35921" dir="2700000" algn="ctr" rotWithShape="0">
+                    <a:schemeClr val="bg2"/>
+                  </a:outerShdw>
+                </a:effectLst>
+              </a14:hiddenEffects>
+            </a:ext>
+          </a:extLst>
+        </p:spPr>
+      </p:pic>
+      <mc:AlternateContent xmlns:mc="http://schemas.openxmlformats.org/markup-compatibility/2006">
+        <mc:Choice xmlns:a14="http://schemas.microsoft.com/office/drawing/2010/main" Requires="a14">
+          <p:sp>
+            <p:nvSpPr>
+              <p:cNvPr id="4" name="TextBox 3"/>
+              <p:cNvSpPr txBox="1"/>
+              <p:nvPr/>
+            </p:nvSpPr>
+            <p:spPr>
+              <a:xfrm>
+                <a:off x="3779912" y="2633990"/>
+                <a:ext cx="2276200" cy="369332"/>
+              </a:xfrm>
+              <a:prstGeom prst="rect">
+                <a:avLst/>
+              </a:prstGeom>
+              <a:noFill/>
+            </p:spPr>
+            <p:txBody>
+              <a:bodyPr wrap="none" rtlCol="0">
+                <a:spAutoFit/>
+              </a:bodyPr>
+              <a:lstStyle/>
+              <a:p>
+                <a14:m>
+                  <m:oMathPara xmlns:m="http://schemas.openxmlformats.org/officeDocument/2006/math">
+                    <m:oMathParaPr>
+                      <m:jc m:val="centerGroup"/>
+                    </m:oMathParaPr>
+                    <m:oMath xmlns:m="http://schemas.openxmlformats.org/officeDocument/2006/math">
+                      <m:d>
+                        <m:dPr>
+                          <m:ctrlPr>
+                            <a:rPr lang="en-US" altLang="ko-KR" b="0" i="1" smtClean="0">
+                              <a:latin typeface="Cambria Math"/>
+                            </a:rPr>
+                          </m:ctrlPr>
+                        </m:dPr>
+                        <m:e>
+                          <m:r>
+                            <a:rPr lang="en-US" altLang="ko-KR" b="0" i="1" smtClean="0">
+                              <a:latin typeface="Cambria Math"/>
+                            </a:rPr>
+                            <m:t>𝑥</m:t>
+                          </m:r>
+                          <m:r>
+                            <a:rPr lang="en-US" altLang="ko-KR" b="0" i="1" smtClean="0">
+                              <a:latin typeface="Cambria Math"/>
+                            </a:rPr>
+                            <m:t>,</m:t>
+                          </m:r>
+                          <m:r>
+                            <a:rPr lang="en-US" altLang="ko-KR" b="0" i="1" smtClean="0">
+                              <a:latin typeface="Cambria Math"/>
+                            </a:rPr>
+                            <m:t>𝑦</m:t>
+                          </m:r>
+                        </m:e>
+                      </m:d>
+                      <m:r>
+                        <a:rPr lang="en-US" altLang="ko-KR" b="0" i="1" smtClean="0">
+                          <a:latin typeface="Cambria Math"/>
+                        </a:rPr>
+                        <m:t>=</m:t>
+                      </m:r>
+                      <m:r>
+                        <a:rPr lang="en-US" altLang="ko-KR" b="0" i="0" smtClean="0">
+                          <a:latin typeface="Cambria Math"/>
+                        </a:rPr>
+                        <m:t>(</m:t>
+                      </m:r>
+                      <m:r>
+                        <m:rPr>
+                          <m:sty m:val="p"/>
+                        </m:rPr>
+                        <a:rPr lang="en-US" altLang="ko-KR" b="0" i="0" smtClean="0">
+                          <a:latin typeface="Cambria Math"/>
+                        </a:rPr>
+                        <m:t>cos</m:t>
+                      </m:r>
+                      <m:r>
+                        <a:rPr lang="en-US" altLang="ko-KR" b="0" i="1" smtClean="0">
+                          <a:latin typeface="Cambria Math"/>
+                        </a:rPr>
+                        <m:t>𝜃</m:t>
+                      </m:r>
+                      <m:r>
+                        <a:rPr lang="en-US" altLang="ko-KR" b="0" i="1" smtClean="0">
+                          <a:latin typeface="Cambria Math"/>
+                        </a:rPr>
+                        <m:t>,</m:t>
+                      </m:r>
+                      <m:r>
+                        <m:rPr>
+                          <m:sty m:val="p"/>
+                        </m:rPr>
+                        <a:rPr lang="en-US" altLang="ko-KR" b="0" i="0" smtClean="0">
+                          <a:latin typeface="Cambria Math"/>
+                        </a:rPr>
+                        <m:t>sin</m:t>
+                      </m:r>
+                      <m:r>
+                        <a:rPr lang="en-US" altLang="ko-KR" i="1">
+                          <a:latin typeface="Cambria Math"/>
+                        </a:rPr>
+                        <m:t>𝜃</m:t>
+                      </m:r>
+                      <m:r>
+                        <a:rPr lang="en-US" altLang="ko-KR" b="0" i="1" smtClean="0">
+                          <a:latin typeface="Cambria Math"/>
+                        </a:rPr>
+                        <m:t>)</m:t>
+                      </m:r>
+                    </m:oMath>
+                  </m:oMathPara>
+                </a14:m>
+                <a:endParaRPr lang="ko-KR" altLang="en-US" dirty="0"/>
+              </a:p>
+            </p:txBody>
+          </p:sp>
+        </mc:Choice>
+        <mc:Fallback>
+          <p:sp>
+            <p:nvSpPr>
+              <p:cNvPr id="4" name="TextBox 3"/>
+              <p:cNvSpPr txBox="1">
+                <a:spLocks noRot="1" noChangeAspect="1" noMove="1" noResize="1" noEditPoints="1" noAdjustHandles="1" noChangeArrowheads="1" noChangeShapeType="1" noTextEdit="1"/>
+              </p:cNvSpPr>
+              <p:nvPr/>
+            </p:nvSpPr>
+            <p:spPr>
+              <a:xfrm>
+                <a:off x="3779912" y="2633990"/>
+                <a:ext cx="2276200" cy="369332"/>
+              </a:xfrm>
+              <a:prstGeom prst="rect">
+                <a:avLst/>
+              </a:prstGeom>
+              <a:blipFill rotWithShape="1">
+                <a:blip r:embed="rId3"/>
+                <a:stretch>
+                  <a:fillRect b="-14754"/>
+                </a:stretch>
+              </a:blipFill>
+            </p:spPr>
+            <p:txBody>
+              <a:bodyPr/>
+              <a:lstStyle/>
+              <a:p>
+                <a:r>
+                  <a:rPr lang="ko-KR" altLang="en-US">
+                    <a:noFill/>
+                  </a:rPr>
+                  <a:t> </a:t>
+                </a:r>
+              </a:p>
+            </p:txBody>
+          </p:sp>
+        </mc:Fallback>
+      </mc:AlternateContent>
+      <mc:AlternateContent xmlns:mc="http://schemas.openxmlformats.org/markup-compatibility/2006">
+        <mc:Choice xmlns:a14="http://schemas.microsoft.com/office/drawing/2010/main" Requires="a14">
+          <p:sp>
+            <p:nvSpPr>
+              <p:cNvPr id="7" name="TextBox 6"/>
+              <p:cNvSpPr txBox="1"/>
+              <p:nvPr/>
+            </p:nvSpPr>
+            <p:spPr>
+              <a:xfrm>
+                <a:off x="3016878" y="4931876"/>
+                <a:ext cx="402994" cy="369332"/>
+              </a:xfrm>
+              <a:prstGeom prst="rect">
+                <a:avLst/>
+              </a:prstGeom>
+              <a:noFill/>
+            </p:spPr>
+            <p:txBody>
+              <a:bodyPr wrap="none" rtlCol="0">
+                <a:spAutoFit/>
+              </a:bodyPr>
+              <a:lstStyle/>
+              <a:p>
+                <a14:m>
+                  <m:oMathPara xmlns:m="http://schemas.openxmlformats.org/officeDocument/2006/math">
+                    <m:oMathParaPr>
+                      <m:jc m:val="centerGroup"/>
+                    </m:oMathParaPr>
+                    <m:oMath xmlns:m="http://schemas.openxmlformats.org/officeDocument/2006/math">
+                      <m:r>
+                        <a:rPr lang="en-US" altLang="ko-KR" b="0" i="1" smtClean="0">
+                          <a:latin typeface="Cambria Math"/>
+                        </a:rPr>
+                        <m:t>𝜃</m:t>
+                      </m:r>
+                    </m:oMath>
+                  </m:oMathPara>
+                </a14:m>
+                <a:endParaRPr lang="ko-KR" altLang="en-US" dirty="0"/>
+              </a:p>
+            </p:txBody>
+          </p:sp>
+        </mc:Choice>
+        <mc:Fallback>
+          <p:sp>
+            <p:nvSpPr>
+              <p:cNvPr id="7" name="TextBox 6"/>
+              <p:cNvSpPr txBox="1">
+                <a:spLocks noRot="1" noChangeAspect="1" noMove="1" noResize="1" noEditPoints="1" noAdjustHandles="1" noChangeArrowheads="1" noChangeShapeType="1" noTextEdit="1"/>
+              </p:cNvSpPr>
+              <p:nvPr/>
+            </p:nvSpPr>
+            <p:spPr>
+              <a:xfrm>
+                <a:off x="3016878" y="4931876"/>
+                <a:ext cx="402994" cy="369332"/>
+              </a:xfrm>
+              <a:prstGeom prst="rect">
+                <a:avLst/>
+              </a:prstGeom>
+              <a:blipFill rotWithShape="1">
+                <a:blip r:embed="rId4"/>
+                <a:stretch>
+                  <a:fillRect/>
+                </a:stretch>
+              </a:blipFill>
+            </p:spPr>
+            <p:txBody>
+              <a:bodyPr/>
+              <a:lstStyle/>
+              <a:p>
+                <a:r>
+                  <a:rPr lang="ko-KR" altLang="en-US">
+                    <a:noFill/>
+                  </a:rPr>
+                  <a:t> </a:t>
+                </a:r>
+              </a:p>
+            </p:txBody>
+          </p:sp>
+        </mc:Fallback>
+      </mc:AlternateContent>
+      <mc:AlternateContent xmlns:mc="http://schemas.openxmlformats.org/markup-compatibility/2006">
+        <mc:Choice xmlns:a14="http://schemas.microsoft.com/office/drawing/2010/main" Requires="a14">
+          <p:sp>
+            <p:nvSpPr>
+              <p:cNvPr id="9" name="TextBox 8"/>
+              <p:cNvSpPr txBox="1"/>
+              <p:nvPr/>
+            </p:nvSpPr>
+            <p:spPr>
+              <a:xfrm>
+                <a:off x="4706512" y="5301208"/>
+                <a:ext cx="396840" cy="369332"/>
+              </a:xfrm>
+              <a:prstGeom prst="rect">
+                <a:avLst/>
+              </a:prstGeom>
+              <a:noFill/>
+            </p:spPr>
+            <p:txBody>
+              <a:bodyPr wrap="none" rtlCol="0">
+                <a:spAutoFit/>
+              </a:bodyPr>
+              <a:lstStyle/>
+              <a:p>
+                <a14:m>
+                  <m:oMathPara xmlns:m="http://schemas.openxmlformats.org/officeDocument/2006/math">
+                    <m:oMathParaPr>
+                      <m:jc m:val="centerGroup"/>
+                    </m:oMathParaPr>
+                    <m:oMath xmlns:m="http://schemas.openxmlformats.org/officeDocument/2006/math">
+                      <m:r>
+                        <a:rPr lang="en-US" altLang="ko-KR" b="0" i="1" smtClean="0">
+                          <a:latin typeface="Cambria Math"/>
+                        </a:rPr>
+                        <m:t>𝑥</m:t>
+                      </m:r>
+                    </m:oMath>
+                  </m:oMathPara>
+                </a14:m>
+                <a:endParaRPr lang="ko-KR" altLang="en-US" dirty="0"/>
+              </a:p>
+            </p:txBody>
+          </p:sp>
+        </mc:Choice>
+        <mc:Fallback>
+          <p:sp>
+            <p:nvSpPr>
+              <p:cNvPr id="9" name="TextBox 8"/>
+              <p:cNvSpPr txBox="1">
+                <a:spLocks noRot="1" noChangeAspect="1" noMove="1" noResize="1" noEditPoints="1" noAdjustHandles="1" noChangeArrowheads="1" noChangeShapeType="1" noTextEdit="1"/>
+              </p:cNvSpPr>
+              <p:nvPr/>
+            </p:nvSpPr>
+            <p:spPr>
+              <a:xfrm>
+                <a:off x="4706512" y="5301208"/>
+                <a:ext cx="396840" cy="369332"/>
+              </a:xfrm>
+              <a:prstGeom prst="rect">
+                <a:avLst/>
+              </a:prstGeom>
+              <a:blipFill rotWithShape="1">
+                <a:blip r:embed="rId5"/>
+                <a:stretch>
+                  <a:fillRect/>
+                </a:stretch>
+              </a:blipFill>
+            </p:spPr>
+            <p:txBody>
+              <a:bodyPr/>
+              <a:lstStyle/>
+              <a:p>
+                <a:r>
+                  <a:rPr lang="ko-KR" altLang="en-US">
+                    <a:noFill/>
+                  </a:rPr>
+                  <a:t> </a:t>
+                </a:r>
+              </a:p>
+            </p:txBody>
+          </p:sp>
+        </mc:Fallback>
+      </mc:AlternateContent>
+      <mc:AlternateContent xmlns:mc="http://schemas.openxmlformats.org/markup-compatibility/2006">
+        <mc:Choice xmlns:a14="http://schemas.microsoft.com/office/drawing/2010/main" Requires="a14">
+          <p:sp>
+            <p:nvSpPr>
+              <p:cNvPr id="10" name="TextBox 9"/>
+              <p:cNvSpPr txBox="1"/>
+              <p:nvPr/>
+            </p:nvSpPr>
+            <p:spPr>
+              <a:xfrm>
+                <a:off x="2415904" y="2987660"/>
+                <a:ext cx="396840" cy="369332"/>
+              </a:xfrm>
+              <a:prstGeom prst="rect">
+                <a:avLst/>
+              </a:prstGeom>
+              <a:noFill/>
+            </p:spPr>
+            <p:txBody>
+              <a:bodyPr wrap="none" rtlCol="0">
+                <a:spAutoFit/>
+              </a:bodyPr>
+              <a:lstStyle/>
+              <a:p>
+                <a14:m>
+                  <m:oMathPara xmlns:m="http://schemas.openxmlformats.org/officeDocument/2006/math">
+                    <m:oMathParaPr>
+                      <m:jc m:val="centerGroup"/>
+                    </m:oMathParaPr>
+                    <m:oMath xmlns:m="http://schemas.openxmlformats.org/officeDocument/2006/math">
+                      <m:r>
+                        <a:rPr lang="en-US" altLang="ko-KR" b="0" i="1" smtClean="0">
+                          <a:latin typeface="Cambria Math"/>
+                        </a:rPr>
+                        <m:t>𝑦</m:t>
+                      </m:r>
+                    </m:oMath>
+                  </m:oMathPara>
+                </a14:m>
+                <a:endParaRPr lang="ko-KR" altLang="en-US" dirty="0"/>
+              </a:p>
+            </p:txBody>
+          </p:sp>
+        </mc:Choice>
+        <mc:Fallback>
+          <p:sp>
+            <p:nvSpPr>
+              <p:cNvPr id="10" name="TextBox 9"/>
+              <p:cNvSpPr txBox="1">
+                <a:spLocks noRot="1" noChangeAspect="1" noMove="1" noResize="1" noEditPoints="1" noAdjustHandles="1" noChangeArrowheads="1" noChangeShapeType="1" noTextEdit="1"/>
+              </p:cNvSpPr>
+              <p:nvPr/>
+            </p:nvSpPr>
+            <p:spPr>
+              <a:xfrm>
+                <a:off x="2415904" y="2987660"/>
+                <a:ext cx="396840" cy="369332"/>
+              </a:xfrm>
+              <a:prstGeom prst="rect">
+                <a:avLst/>
+              </a:prstGeom>
+              <a:blipFill rotWithShape="1">
+                <a:blip r:embed="rId6"/>
+                <a:stretch>
+                  <a:fillRect b="-8197"/>
+                </a:stretch>
+              </a:blipFill>
+            </p:spPr>
+            <p:txBody>
+              <a:bodyPr/>
+              <a:lstStyle/>
+              <a:p>
+                <a:r>
+                  <a:rPr lang="ko-KR" altLang="en-US">
+                    <a:noFill/>
+                  </a:rPr>
+                  <a:t> </a:t>
+                </a:r>
+              </a:p>
+            </p:txBody>
+          </p:sp>
+        </mc:Fallback>
+      </mc:AlternateContent>
+    </p:spTree>
+    <p:extLst>
+      <p:ext uri="{BB962C8B-B14F-4D97-AF65-F5344CB8AC3E}">
+        <p14:creationId xmlns:p14="http://schemas.microsoft.com/office/powerpoint/2010/main" val="198619640"/>
+      </p:ext>
+    </p:extLst>
+  </p:cSld>
+  <p:clrMapOvr>
+    <a:masterClrMapping/>
+  </p:clrMapOvr>
+  <p:timing>
+    <p:tnLst>
+      <p:par>
+        <p:cTn id="1" dur="indefinite" restart="never" nodeType="tmRoot"/>
+      </p:par>
+    </p:tnLst>
+  </p:timing>
+</p:sld>
+</file>
+
+<file path=ppt/slides/slide2.xml><?xml version="1.0" encoding="utf-8"?>
+<p:sld xmlns:a="http://schemas.openxmlformats.org/drawingml/2006/main" xmlns:r="http://schemas.openxmlformats.org/officeDocument/2006/relationships" xmlns:p="http://schemas.openxmlformats.org/presentationml/2006/main">
+  <p:cSld>
+    <p:spTree>
+      <p:nvGrpSpPr>
+        <p:cNvPr id="1" name=""/>
+        <p:cNvGrpSpPr/>
+        <p:nvPr/>
+      </p:nvGrpSpPr>
+      <p:grpSpPr>
+        <a:xfrm>
+          <a:off x="0" y="0"/>
+          <a:ext cx="0" cy="0"/>
+          <a:chOff x="0" y="0"/>
+          <a:chExt cx="0" cy="0"/>
+        </a:xfrm>
+      </p:grpSpPr>
+      <p:pic>
+        <p:nvPicPr>
           <p:cNvPr id="1026" name="Picture 2" descr="D:\angeloyeo.github.io\pics\2020-07-07-Euler_Formula\euler_n_1.png"/>
           <p:cNvPicPr>
             <a:picLocks noChangeAspect="1" noChangeArrowheads="1"/>
@@ -3260,7 +3771,7 @@
 </p:sld>
 </file>
 
-<file path=ppt/slides/slide2.xml><?xml version="1.0" encoding="utf-8"?>
+<file path=ppt/slides/slide3.xml><?xml version="1.0" encoding="utf-8"?>
 <p:sld xmlns:a="http://schemas.openxmlformats.org/drawingml/2006/main" xmlns:r="http://schemas.openxmlformats.org/officeDocument/2006/relationships" xmlns:p="http://schemas.openxmlformats.org/presentationml/2006/main">
   <p:cSld>
     <p:spTree>
@@ -4193,7 +4704,7 @@
 </p:sld>
 </file>
 
-<file path=ppt/slides/slide3.xml><?xml version="1.0" encoding="utf-8"?>
+<file path=ppt/slides/slide4.xml><?xml version="1.0" encoding="utf-8"?>
 <p:sld xmlns:a="http://schemas.openxmlformats.org/drawingml/2006/main" xmlns:r="http://schemas.openxmlformats.org/officeDocument/2006/relationships" xmlns:p="http://schemas.openxmlformats.org/presentationml/2006/main">
   <p:cSld>
     <p:spTree>
@@ -5481,7 +5992,7 @@
 </p:sld>
 </file>
 
-<file path=ppt/slides/slide4.xml><?xml version="1.0" encoding="utf-8"?>
+<file path=ppt/slides/slide5.xml><?xml version="1.0" encoding="utf-8"?>
 <p:sld xmlns:a="http://schemas.openxmlformats.org/drawingml/2006/main" xmlns:r="http://schemas.openxmlformats.org/officeDocument/2006/relationships" xmlns:p="http://schemas.openxmlformats.org/presentationml/2006/main">
   <p:cSld>
     <p:spTree>

--- a/pics/2020-07-07-Euler_Formula/pics.pptx
+++ b/pics/2020-07-07-Euler_Formula/pics.pptx
@@ -108,6 +108,22 @@
       </a:defRPr>
     </a:lvl9pPr>
   </p:defaultTextStyle>
+  <p:extLst>
+    <p:ext uri="{EFAFB233-063F-42B5-8137-9DF3F51BA10A}">
+      <p15:sldGuideLst xmlns:p15="http://schemas.microsoft.com/office/powerpoint/2012/main">
+        <p15:guide id="1" orient="horz" pos="2160">
+          <p15:clr>
+            <a:srgbClr val="A4A3A4"/>
+          </p15:clr>
+        </p15:guide>
+        <p15:guide id="2" pos="2880">
+          <p15:clr>
+            <a:srgbClr val="A4A3A4"/>
+          </p15:clr>
+        </p15:guide>
+      </p15:sldGuideLst>
+    </p:ext>
+  </p:extLst>
 </p:presentation>
 </file>
 
@@ -149,10 +165,9 @@
           <a:lstStyle/>
           <a:p>
             <a:r>
-              <a:rPr lang="ko-KR" altLang="en-US" smtClean="0"/>
+              <a:rPr lang="ko-KR" altLang="en-US"/>
               <a:t>마스터 제목 스타일 편집</a:t>
             </a:r>
-            <a:endParaRPr lang="ko-KR" altLang="en-US"/>
           </a:p>
         </p:txBody>
       </p:sp>
@@ -268,10 +283,9 @@
           </a:lstStyle>
           <a:p>
             <a:r>
-              <a:rPr lang="ko-KR" altLang="en-US" smtClean="0"/>
+              <a:rPr lang="ko-KR" altLang="en-US"/>
               <a:t>마스터 부제목 스타일 편집</a:t>
             </a:r>
-            <a:endParaRPr lang="ko-KR" altLang="en-US"/>
           </a:p>
         </p:txBody>
       </p:sp>
@@ -292,7 +306,7 @@
           <a:p>
             <a:fld id="{D1B4D010-465A-4C95-AB7A-ED2EFB803242}" type="datetimeFigureOut">
               <a:rPr lang="ko-KR" altLang="en-US" smtClean="0"/>
-              <a:t>2020-07-10</a:t>
+              <a:t>2021-05-19</a:t>
             </a:fld>
             <a:endParaRPr lang="ko-KR" altLang="en-US"/>
           </a:p>
@@ -386,10 +400,9 @@
           <a:lstStyle/>
           <a:p>
             <a:r>
-              <a:rPr lang="ko-KR" altLang="en-US" smtClean="0"/>
+              <a:rPr lang="ko-KR" altLang="en-US"/>
               <a:t>마스터 제목 스타일 편집</a:t>
             </a:r>
-            <a:endParaRPr lang="ko-KR" altLang="en-US"/>
           </a:p>
         </p:txBody>
       </p:sp>
@@ -410,38 +423,37 @@
           <a:p>
             <a:pPr lvl="0"/>
             <a:r>
-              <a:rPr lang="ko-KR" altLang="en-US" smtClean="0"/>
+              <a:rPr lang="ko-KR" altLang="en-US"/>
               <a:t>마스터 텍스트 스타일을 편집합니다</a:t>
             </a:r>
           </a:p>
           <a:p>
             <a:pPr lvl="1"/>
             <a:r>
-              <a:rPr lang="ko-KR" altLang="en-US" smtClean="0"/>
+              <a:rPr lang="ko-KR" altLang="en-US"/>
               <a:t>둘째 수준</a:t>
             </a:r>
           </a:p>
           <a:p>
             <a:pPr lvl="2"/>
             <a:r>
-              <a:rPr lang="ko-KR" altLang="en-US" smtClean="0"/>
+              <a:rPr lang="ko-KR" altLang="en-US"/>
               <a:t>셋째 수준</a:t>
             </a:r>
           </a:p>
           <a:p>
             <a:pPr lvl="3"/>
             <a:r>
-              <a:rPr lang="ko-KR" altLang="en-US" smtClean="0"/>
+              <a:rPr lang="ko-KR" altLang="en-US"/>
               <a:t>넷째 수준</a:t>
             </a:r>
           </a:p>
           <a:p>
             <a:pPr lvl="4"/>
             <a:r>
-              <a:rPr lang="ko-KR" altLang="en-US" smtClean="0"/>
+              <a:rPr lang="ko-KR" altLang="en-US"/>
               <a:t>다섯째 수준</a:t>
             </a:r>
-            <a:endParaRPr lang="ko-KR" altLang="en-US"/>
           </a:p>
         </p:txBody>
       </p:sp>
@@ -462,7 +474,7 @@
           <a:p>
             <a:fld id="{D1B4D010-465A-4C95-AB7A-ED2EFB803242}" type="datetimeFigureOut">
               <a:rPr lang="ko-KR" altLang="en-US" smtClean="0"/>
-              <a:t>2020-07-10</a:t>
+              <a:t>2021-05-19</a:t>
             </a:fld>
             <a:endParaRPr lang="ko-KR" altLang="en-US"/>
           </a:p>
@@ -561,10 +573,9 @@
           <a:lstStyle/>
           <a:p>
             <a:r>
-              <a:rPr lang="ko-KR" altLang="en-US" smtClean="0"/>
+              <a:rPr lang="ko-KR" altLang="en-US"/>
               <a:t>마스터 제목 스타일 편집</a:t>
             </a:r>
-            <a:endParaRPr lang="ko-KR" altLang="en-US"/>
           </a:p>
         </p:txBody>
       </p:sp>
@@ -590,38 +601,37 @@
           <a:p>
             <a:pPr lvl="0"/>
             <a:r>
-              <a:rPr lang="ko-KR" altLang="en-US" smtClean="0"/>
+              <a:rPr lang="ko-KR" altLang="en-US"/>
               <a:t>마스터 텍스트 스타일을 편집합니다</a:t>
             </a:r>
           </a:p>
           <a:p>
             <a:pPr lvl="1"/>
             <a:r>
-              <a:rPr lang="ko-KR" altLang="en-US" smtClean="0"/>
+              <a:rPr lang="ko-KR" altLang="en-US"/>
               <a:t>둘째 수준</a:t>
             </a:r>
           </a:p>
           <a:p>
             <a:pPr lvl="2"/>
             <a:r>
-              <a:rPr lang="ko-KR" altLang="en-US" smtClean="0"/>
+              <a:rPr lang="ko-KR" altLang="en-US"/>
               <a:t>셋째 수준</a:t>
             </a:r>
           </a:p>
           <a:p>
             <a:pPr lvl="3"/>
             <a:r>
-              <a:rPr lang="ko-KR" altLang="en-US" smtClean="0"/>
+              <a:rPr lang="ko-KR" altLang="en-US"/>
               <a:t>넷째 수준</a:t>
             </a:r>
           </a:p>
           <a:p>
             <a:pPr lvl="4"/>
             <a:r>
-              <a:rPr lang="ko-KR" altLang="en-US" smtClean="0"/>
+              <a:rPr lang="ko-KR" altLang="en-US"/>
               <a:t>다섯째 수준</a:t>
             </a:r>
-            <a:endParaRPr lang="ko-KR" altLang="en-US"/>
           </a:p>
         </p:txBody>
       </p:sp>
@@ -642,7 +652,7 @@
           <a:p>
             <a:fld id="{D1B4D010-465A-4C95-AB7A-ED2EFB803242}" type="datetimeFigureOut">
               <a:rPr lang="ko-KR" altLang="en-US" smtClean="0"/>
-              <a:t>2020-07-10</a:t>
+              <a:t>2021-05-19</a:t>
             </a:fld>
             <a:endParaRPr lang="ko-KR" altLang="en-US"/>
           </a:p>
@@ -736,10 +746,9 @@
           <a:lstStyle/>
           <a:p>
             <a:r>
-              <a:rPr lang="ko-KR" altLang="en-US" smtClean="0"/>
+              <a:rPr lang="ko-KR" altLang="en-US"/>
               <a:t>마스터 제목 스타일 편집</a:t>
             </a:r>
-            <a:endParaRPr lang="ko-KR" altLang="en-US"/>
           </a:p>
         </p:txBody>
       </p:sp>
@@ -760,38 +769,37 @@
           <a:p>
             <a:pPr lvl="0"/>
             <a:r>
-              <a:rPr lang="ko-KR" altLang="en-US" smtClean="0"/>
+              <a:rPr lang="ko-KR" altLang="en-US"/>
               <a:t>마스터 텍스트 스타일을 편집합니다</a:t>
             </a:r>
           </a:p>
           <a:p>
             <a:pPr lvl="1"/>
             <a:r>
-              <a:rPr lang="ko-KR" altLang="en-US" smtClean="0"/>
+              <a:rPr lang="ko-KR" altLang="en-US"/>
               <a:t>둘째 수준</a:t>
             </a:r>
           </a:p>
           <a:p>
             <a:pPr lvl="2"/>
             <a:r>
-              <a:rPr lang="ko-KR" altLang="en-US" smtClean="0"/>
+              <a:rPr lang="ko-KR" altLang="en-US"/>
               <a:t>셋째 수준</a:t>
             </a:r>
           </a:p>
           <a:p>
             <a:pPr lvl="3"/>
             <a:r>
-              <a:rPr lang="ko-KR" altLang="en-US" smtClean="0"/>
+              <a:rPr lang="ko-KR" altLang="en-US"/>
               <a:t>넷째 수준</a:t>
             </a:r>
           </a:p>
           <a:p>
             <a:pPr lvl="4"/>
             <a:r>
-              <a:rPr lang="ko-KR" altLang="en-US" smtClean="0"/>
+              <a:rPr lang="ko-KR" altLang="en-US"/>
               <a:t>다섯째 수준</a:t>
             </a:r>
-            <a:endParaRPr lang="ko-KR" altLang="en-US"/>
           </a:p>
         </p:txBody>
       </p:sp>
@@ -812,7 +820,7 @@
           <a:p>
             <a:fld id="{D1B4D010-465A-4C95-AB7A-ED2EFB803242}" type="datetimeFigureOut">
               <a:rPr lang="ko-KR" altLang="en-US" smtClean="0"/>
-              <a:t>2020-07-10</a:t>
+              <a:t>2021-05-19</a:t>
             </a:fld>
             <a:endParaRPr lang="ko-KR" altLang="en-US"/>
           </a:p>
@@ -915,10 +923,9 @@
           </a:lstStyle>
           <a:p>
             <a:r>
-              <a:rPr lang="ko-KR" altLang="en-US" smtClean="0"/>
+              <a:rPr lang="ko-KR" altLang="en-US"/>
               <a:t>마스터 제목 스타일 편집</a:t>
             </a:r>
-            <a:endParaRPr lang="ko-KR" altLang="en-US"/>
           </a:p>
         </p:txBody>
       </p:sp>
@@ -1035,7 +1042,7 @@
           <a:p>
             <a:pPr lvl="0"/>
             <a:r>
-              <a:rPr lang="ko-KR" altLang="en-US" smtClean="0"/>
+              <a:rPr lang="ko-KR" altLang="en-US"/>
               <a:t>마스터 텍스트 스타일을 편집합니다</a:t>
             </a:r>
           </a:p>
@@ -1058,7 +1065,7 @@
           <a:p>
             <a:fld id="{D1B4D010-465A-4C95-AB7A-ED2EFB803242}" type="datetimeFigureOut">
               <a:rPr lang="ko-KR" altLang="en-US" smtClean="0"/>
-              <a:t>2020-07-10</a:t>
+              <a:t>2021-05-19</a:t>
             </a:fld>
             <a:endParaRPr lang="ko-KR" altLang="en-US"/>
           </a:p>
@@ -1152,10 +1159,9 @@
           <a:lstStyle/>
           <a:p>
             <a:r>
-              <a:rPr lang="ko-KR" altLang="en-US" smtClean="0"/>
+              <a:rPr lang="ko-KR" altLang="en-US"/>
               <a:t>마스터 제목 스타일 편집</a:t>
             </a:r>
-            <a:endParaRPr lang="ko-KR" altLang="en-US"/>
           </a:p>
         </p:txBody>
       </p:sp>
@@ -1209,38 +1215,37 @@
           <a:p>
             <a:pPr lvl="0"/>
             <a:r>
-              <a:rPr lang="ko-KR" altLang="en-US" smtClean="0"/>
+              <a:rPr lang="ko-KR" altLang="en-US"/>
               <a:t>마스터 텍스트 스타일을 편집합니다</a:t>
             </a:r>
           </a:p>
           <a:p>
             <a:pPr lvl="1"/>
             <a:r>
-              <a:rPr lang="ko-KR" altLang="en-US" smtClean="0"/>
+              <a:rPr lang="ko-KR" altLang="en-US"/>
               <a:t>둘째 수준</a:t>
             </a:r>
           </a:p>
           <a:p>
             <a:pPr lvl="2"/>
             <a:r>
-              <a:rPr lang="ko-KR" altLang="en-US" smtClean="0"/>
+              <a:rPr lang="ko-KR" altLang="en-US"/>
               <a:t>셋째 수준</a:t>
             </a:r>
           </a:p>
           <a:p>
             <a:pPr lvl="3"/>
             <a:r>
-              <a:rPr lang="ko-KR" altLang="en-US" smtClean="0"/>
+              <a:rPr lang="ko-KR" altLang="en-US"/>
               <a:t>넷째 수준</a:t>
             </a:r>
           </a:p>
           <a:p>
             <a:pPr lvl="4"/>
             <a:r>
-              <a:rPr lang="ko-KR" altLang="en-US" smtClean="0"/>
+              <a:rPr lang="ko-KR" altLang="en-US"/>
               <a:t>다섯째 수준</a:t>
             </a:r>
-            <a:endParaRPr lang="ko-KR" altLang="en-US"/>
           </a:p>
         </p:txBody>
       </p:sp>
@@ -1294,38 +1299,37 @@
           <a:p>
             <a:pPr lvl="0"/>
             <a:r>
-              <a:rPr lang="ko-KR" altLang="en-US" smtClean="0"/>
+              <a:rPr lang="ko-KR" altLang="en-US"/>
               <a:t>마스터 텍스트 스타일을 편집합니다</a:t>
             </a:r>
           </a:p>
           <a:p>
             <a:pPr lvl="1"/>
             <a:r>
-              <a:rPr lang="ko-KR" altLang="en-US" smtClean="0"/>
+              <a:rPr lang="ko-KR" altLang="en-US"/>
               <a:t>둘째 수준</a:t>
             </a:r>
           </a:p>
           <a:p>
             <a:pPr lvl="2"/>
             <a:r>
-              <a:rPr lang="ko-KR" altLang="en-US" smtClean="0"/>
+              <a:rPr lang="ko-KR" altLang="en-US"/>
               <a:t>셋째 수준</a:t>
             </a:r>
           </a:p>
           <a:p>
             <a:pPr lvl="3"/>
             <a:r>
-              <a:rPr lang="ko-KR" altLang="en-US" smtClean="0"/>
+              <a:rPr lang="ko-KR" altLang="en-US"/>
               <a:t>넷째 수준</a:t>
             </a:r>
           </a:p>
           <a:p>
             <a:pPr lvl="4"/>
             <a:r>
-              <a:rPr lang="ko-KR" altLang="en-US" smtClean="0"/>
+              <a:rPr lang="ko-KR" altLang="en-US"/>
               <a:t>다섯째 수준</a:t>
             </a:r>
-            <a:endParaRPr lang="ko-KR" altLang="en-US"/>
           </a:p>
         </p:txBody>
       </p:sp>
@@ -1346,7 +1350,7 @@
           <a:p>
             <a:fld id="{D1B4D010-465A-4C95-AB7A-ED2EFB803242}" type="datetimeFigureOut">
               <a:rPr lang="ko-KR" altLang="en-US" smtClean="0"/>
-              <a:t>2020-07-10</a:t>
+              <a:t>2021-05-19</a:t>
             </a:fld>
             <a:endParaRPr lang="ko-KR" altLang="en-US"/>
           </a:p>
@@ -1444,10 +1448,9 @@
           </a:lstStyle>
           <a:p>
             <a:r>
-              <a:rPr lang="ko-KR" altLang="en-US" smtClean="0"/>
+              <a:rPr lang="ko-KR" altLang="en-US"/>
               <a:t>마스터 제목 스타일 편집</a:t>
             </a:r>
-            <a:endParaRPr lang="ko-KR" altLang="en-US"/>
           </a:p>
         </p:txBody>
       </p:sp>
@@ -1510,7 +1513,7 @@
           <a:p>
             <a:pPr lvl="0"/>
             <a:r>
-              <a:rPr lang="ko-KR" altLang="en-US" smtClean="0"/>
+              <a:rPr lang="ko-KR" altLang="en-US"/>
               <a:t>마스터 텍스트 스타일을 편집합니다</a:t>
             </a:r>
           </a:p>
@@ -1566,38 +1569,37 @@
           <a:p>
             <a:pPr lvl="0"/>
             <a:r>
-              <a:rPr lang="ko-KR" altLang="en-US" smtClean="0"/>
+              <a:rPr lang="ko-KR" altLang="en-US"/>
               <a:t>마스터 텍스트 스타일을 편집합니다</a:t>
             </a:r>
           </a:p>
           <a:p>
             <a:pPr lvl="1"/>
             <a:r>
-              <a:rPr lang="ko-KR" altLang="en-US" smtClean="0"/>
+              <a:rPr lang="ko-KR" altLang="en-US"/>
               <a:t>둘째 수준</a:t>
             </a:r>
           </a:p>
           <a:p>
             <a:pPr lvl="2"/>
             <a:r>
-              <a:rPr lang="ko-KR" altLang="en-US" smtClean="0"/>
+              <a:rPr lang="ko-KR" altLang="en-US"/>
               <a:t>셋째 수준</a:t>
             </a:r>
           </a:p>
           <a:p>
             <a:pPr lvl="3"/>
             <a:r>
-              <a:rPr lang="ko-KR" altLang="en-US" smtClean="0"/>
+              <a:rPr lang="ko-KR" altLang="en-US"/>
               <a:t>넷째 수준</a:t>
             </a:r>
           </a:p>
           <a:p>
             <a:pPr lvl="4"/>
             <a:r>
-              <a:rPr lang="ko-KR" altLang="en-US" smtClean="0"/>
+              <a:rPr lang="ko-KR" altLang="en-US"/>
               <a:t>다섯째 수준</a:t>
             </a:r>
-            <a:endParaRPr lang="ko-KR" altLang="en-US"/>
           </a:p>
         </p:txBody>
       </p:sp>
@@ -1660,7 +1662,7 @@
           <a:p>
             <a:pPr lvl="0"/>
             <a:r>
-              <a:rPr lang="ko-KR" altLang="en-US" smtClean="0"/>
+              <a:rPr lang="ko-KR" altLang="en-US"/>
               <a:t>마스터 텍스트 스타일을 편집합니다</a:t>
             </a:r>
           </a:p>
@@ -1716,38 +1718,37 @@
           <a:p>
             <a:pPr lvl="0"/>
             <a:r>
-              <a:rPr lang="ko-KR" altLang="en-US" smtClean="0"/>
+              <a:rPr lang="ko-KR" altLang="en-US"/>
               <a:t>마스터 텍스트 스타일을 편집합니다</a:t>
             </a:r>
           </a:p>
           <a:p>
             <a:pPr lvl="1"/>
             <a:r>
-              <a:rPr lang="ko-KR" altLang="en-US" smtClean="0"/>
+              <a:rPr lang="ko-KR" altLang="en-US"/>
               <a:t>둘째 수준</a:t>
             </a:r>
           </a:p>
           <a:p>
             <a:pPr lvl="2"/>
             <a:r>
-              <a:rPr lang="ko-KR" altLang="en-US" smtClean="0"/>
+              <a:rPr lang="ko-KR" altLang="en-US"/>
               <a:t>셋째 수준</a:t>
             </a:r>
           </a:p>
           <a:p>
             <a:pPr lvl="3"/>
             <a:r>
-              <a:rPr lang="ko-KR" altLang="en-US" smtClean="0"/>
+              <a:rPr lang="ko-KR" altLang="en-US"/>
               <a:t>넷째 수준</a:t>
             </a:r>
           </a:p>
           <a:p>
             <a:pPr lvl="4"/>
             <a:r>
-              <a:rPr lang="ko-KR" altLang="en-US" smtClean="0"/>
+              <a:rPr lang="ko-KR" altLang="en-US"/>
               <a:t>다섯째 수준</a:t>
             </a:r>
-            <a:endParaRPr lang="ko-KR" altLang="en-US"/>
           </a:p>
         </p:txBody>
       </p:sp>
@@ -1768,7 +1769,7 @@
           <a:p>
             <a:fld id="{D1B4D010-465A-4C95-AB7A-ED2EFB803242}" type="datetimeFigureOut">
               <a:rPr lang="ko-KR" altLang="en-US" smtClean="0"/>
-              <a:t>2020-07-10</a:t>
+              <a:t>2021-05-19</a:t>
             </a:fld>
             <a:endParaRPr lang="ko-KR" altLang="en-US"/>
           </a:p>
@@ -1862,10 +1863,9 @@
           <a:lstStyle/>
           <a:p>
             <a:r>
-              <a:rPr lang="ko-KR" altLang="en-US" smtClean="0"/>
+              <a:rPr lang="ko-KR" altLang="en-US"/>
               <a:t>마스터 제목 스타일 편집</a:t>
             </a:r>
-            <a:endParaRPr lang="ko-KR" altLang="en-US"/>
           </a:p>
         </p:txBody>
       </p:sp>
@@ -1886,7 +1886,7 @@
           <a:p>
             <a:fld id="{D1B4D010-465A-4C95-AB7A-ED2EFB803242}" type="datetimeFigureOut">
               <a:rPr lang="ko-KR" altLang="en-US" smtClean="0"/>
-              <a:t>2020-07-10</a:t>
+              <a:t>2021-05-19</a:t>
             </a:fld>
             <a:endParaRPr lang="ko-KR" altLang="en-US"/>
           </a:p>
@@ -1981,7 +1981,7 @@
           <a:p>
             <a:fld id="{D1B4D010-465A-4C95-AB7A-ED2EFB803242}" type="datetimeFigureOut">
               <a:rPr lang="ko-KR" altLang="en-US" smtClean="0"/>
-              <a:t>2020-07-10</a:t>
+              <a:t>2021-05-19</a:t>
             </a:fld>
             <a:endParaRPr lang="ko-KR" altLang="en-US"/>
           </a:p>
@@ -2084,10 +2084,9 @@
           </a:lstStyle>
           <a:p>
             <a:r>
-              <a:rPr lang="ko-KR" altLang="en-US" smtClean="0"/>
+              <a:rPr lang="ko-KR" altLang="en-US"/>
               <a:t>마스터 제목 스타일 편집</a:t>
             </a:r>
-            <a:endParaRPr lang="ko-KR" altLang="en-US"/>
           </a:p>
         </p:txBody>
       </p:sp>
@@ -2141,38 +2140,37 @@
           <a:p>
             <a:pPr lvl="0"/>
             <a:r>
-              <a:rPr lang="ko-KR" altLang="en-US" smtClean="0"/>
+              <a:rPr lang="ko-KR" altLang="en-US"/>
               <a:t>마스터 텍스트 스타일을 편집합니다</a:t>
             </a:r>
           </a:p>
           <a:p>
             <a:pPr lvl="1"/>
             <a:r>
-              <a:rPr lang="ko-KR" altLang="en-US" smtClean="0"/>
+              <a:rPr lang="ko-KR" altLang="en-US"/>
               <a:t>둘째 수준</a:t>
             </a:r>
           </a:p>
           <a:p>
             <a:pPr lvl="2"/>
             <a:r>
-              <a:rPr lang="ko-KR" altLang="en-US" smtClean="0"/>
+              <a:rPr lang="ko-KR" altLang="en-US"/>
               <a:t>셋째 수준</a:t>
             </a:r>
           </a:p>
           <a:p>
             <a:pPr lvl="3"/>
             <a:r>
-              <a:rPr lang="ko-KR" altLang="en-US" smtClean="0"/>
+              <a:rPr lang="ko-KR" altLang="en-US"/>
               <a:t>넷째 수준</a:t>
             </a:r>
           </a:p>
           <a:p>
             <a:pPr lvl="4"/>
             <a:r>
-              <a:rPr lang="ko-KR" altLang="en-US" smtClean="0"/>
+              <a:rPr lang="ko-KR" altLang="en-US"/>
               <a:t>다섯째 수준</a:t>
             </a:r>
-            <a:endParaRPr lang="ko-KR" altLang="en-US"/>
           </a:p>
         </p:txBody>
       </p:sp>
@@ -2235,7 +2233,7 @@
           <a:p>
             <a:pPr lvl="0"/>
             <a:r>
-              <a:rPr lang="ko-KR" altLang="en-US" smtClean="0"/>
+              <a:rPr lang="ko-KR" altLang="en-US"/>
               <a:t>마스터 텍스트 스타일을 편집합니다</a:t>
             </a:r>
           </a:p>
@@ -2258,7 +2256,7 @@
           <a:p>
             <a:fld id="{D1B4D010-465A-4C95-AB7A-ED2EFB803242}" type="datetimeFigureOut">
               <a:rPr lang="ko-KR" altLang="en-US" smtClean="0"/>
-              <a:t>2020-07-10</a:t>
+              <a:t>2021-05-19</a:t>
             </a:fld>
             <a:endParaRPr lang="ko-KR" altLang="en-US"/>
           </a:p>
@@ -2361,10 +2359,9 @@
           </a:lstStyle>
           <a:p>
             <a:r>
-              <a:rPr lang="ko-KR" altLang="en-US" smtClean="0"/>
+              <a:rPr lang="ko-KR" altLang="en-US"/>
               <a:t>마스터 제목 스타일 편집</a:t>
             </a:r>
-            <a:endParaRPr lang="ko-KR" altLang="en-US"/>
           </a:p>
         </p:txBody>
       </p:sp>
@@ -2488,7 +2485,7 @@
           <a:p>
             <a:pPr lvl="0"/>
             <a:r>
-              <a:rPr lang="ko-KR" altLang="en-US" smtClean="0"/>
+              <a:rPr lang="ko-KR" altLang="en-US"/>
               <a:t>마스터 텍스트 스타일을 편집합니다</a:t>
             </a:r>
           </a:p>
@@ -2511,7 +2508,7 @@
           <a:p>
             <a:fld id="{D1B4D010-465A-4C95-AB7A-ED2EFB803242}" type="datetimeFigureOut">
               <a:rPr lang="ko-KR" altLang="en-US" smtClean="0"/>
-              <a:t>2020-07-10</a:t>
+              <a:t>2021-05-19</a:t>
             </a:fld>
             <a:endParaRPr lang="ko-KR" altLang="en-US"/>
           </a:p>
@@ -2620,10 +2617,9 @@
           <a:lstStyle/>
           <a:p>
             <a:r>
-              <a:rPr lang="ko-KR" altLang="en-US" smtClean="0"/>
+              <a:rPr lang="ko-KR" altLang="en-US"/>
               <a:t>마스터 제목 스타일 편집</a:t>
             </a:r>
-            <a:endParaRPr lang="ko-KR" altLang="en-US"/>
           </a:p>
         </p:txBody>
       </p:sp>
@@ -2654,38 +2650,37 @@
           <a:p>
             <a:pPr lvl="0"/>
             <a:r>
-              <a:rPr lang="ko-KR" altLang="en-US" smtClean="0"/>
+              <a:rPr lang="ko-KR" altLang="en-US"/>
               <a:t>마스터 텍스트 스타일을 편집합니다</a:t>
             </a:r>
           </a:p>
           <a:p>
             <a:pPr lvl="1"/>
             <a:r>
-              <a:rPr lang="ko-KR" altLang="en-US" smtClean="0"/>
+              <a:rPr lang="ko-KR" altLang="en-US"/>
               <a:t>둘째 수준</a:t>
             </a:r>
           </a:p>
           <a:p>
             <a:pPr lvl="2"/>
             <a:r>
-              <a:rPr lang="ko-KR" altLang="en-US" smtClean="0"/>
+              <a:rPr lang="ko-KR" altLang="en-US"/>
               <a:t>셋째 수준</a:t>
             </a:r>
           </a:p>
           <a:p>
             <a:pPr lvl="3"/>
             <a:r>
-              <a:rPr lang="ko-KR" altLang="en-US" smtClean="0"/>
+              <a:rPr lang="ko-KR" altLang="en-US"/>
               <a:t>넷째 수준</a:t>
             </a:r>
           </a:p>
           <a:p>
             <a:pPr lvl="4"/>
             <a:r>
-              <a:rPr lang="ko-KR" altLang="en-US" smtClean="0"/>
+              <a:rPr lang="ko-KR" altLang="en-US"/>
               <a:t>다섯째 수준</a:t>
             </a:r>
-            <a:endParaRPr lang="ko-KR" altLang="en-US"/>
           </a:p>
         </p:txBody>
       </p:sp>
@@ -2724,7 +2719,7 @@
           <a:p>
             <a:fld id="{D1B4D010-465A-4C95-AB7A-ED2EFB803242}" type="datetimeFigureOut">
               <a:rPr lang="ko-KR" altLang="en-US" smtClean="0"/>
-              <a:t>2020-07-10</a:t>
+              <a:t>2021-05-19</a:t>
             </a:fld>
             <a:endParaRPr lang="ko-KR" altLang="en-US"/>
           </a:p>
@@ -3163,8 +3158,8 @@
           </a:extLst>
         </p:spPr>
       </p:pic>
-      <mc:AlternateContent xmlns:mc="http://schemas.openxmlformats.org/markup-compatibility/2006">
-        <mc:Choice xmlns:a14="http://schemas.microsoft.com/office/drawing/2010/main" Requires="a14">
+      <mc:AlternateContent xmlns:mc="http://schemas.openxmlformats.org/markup-compatibility/2006" xmlns:a14="http://schemas.microsoft.com/office/drawing/2010/main">
+        <mc:Choice Requires="a14">
           <p:sp>
             <p:nvSpPr>
               <p:cNvPr id="4" name="TextBox 3"/>
@@ -3187,6 +3182,7 @@
               </a:bodyPr>
               <a:lstStyle/>
               <a:p>
+                <a:pPr/>
                 <a14:m>
                   <m:oMathPara xmlns:m="http://schemas.openxmlformats.org/officeDocument/2006/math">
                     <m:oMathParaPr>
@@ -3197,7 +3193,7 @@
                         <m:dPr>
                           <m:ctrlPr>
                             <a:rPr lang="en-US" altLang="ko-KR" b="0" i="1" smtClean="0">
-                              <a:latin typeface="Cambria Math"/>
+                              <a:latin typeface="Cambria Math" panose="02040503050406030204" pitchFamily="18" charset="0"/>
                             </a:rPr>
                           </m:ctrlPr>
                         </m:dPr>
@@ -3284,7 +3280,7 @@
             </p:txBody>
           </p:sp>
         </mc:Choice>
-        <mc:Fallback>
+        <mc:Fallback xmlns="">
           <p:sp>
             <p:nvSpPr>
               <p:cNvPr id="4" name="TextBox 3"/>
@@ -3323,8 +3319,8 @@
           </p:sp>
         </mc:Fallback>
       </mc:AlternateContent>
-      <mc:AlternateContent xmlns:mc="http://schemas.openxmlformats.org/markup-compatibility/2006">
-        <mc:Choice xmlns:a14="http://schemas.microsoft.com/office/drawing/2010/main" Requires="a14">
+      <mc:AlternateContent xmlns:mc="http://schemas.openxmlformats.org/markup-compatibility/2006" xmlns:a14="http://schemas.microsoft.com/office/drawing/2010/main">
+        <mc:Choice Requires="a14">
           <p:sp>
             <p:nvSpPr>
               <p:cNvPr id="7" name="TextBox 6"/>
@@ -3347,6 +3343,7 @@
               </a:bodyPr>
               <a:lstStyle/>
               <a:p>
+                <a:pPr/>
                 <a14:m>
                   <m:oMathPara xmlns:m="http://schemas.openxmlformats.org/officeDocument/2006/math">
                     <m:oMathParaPr>
@@ -3367,7 +3364,7 @@
             </p:txBody>
           </p:sp>
         </mc:Choice>
-        <mc:Fallback>
+        <mc:Fallback xmlns="">
           <p:sp>
             <p:nvSpPr>
               <p:cNvPr id="7" name="TextBox 6"/>
@@ -3406,8 +3403,8 @@
           </p:sp>
         </mc:Fallback>
       </mc:AlternateContent>
-      <mc:AlternateContent xmlns:mc="http://schemas.openxmlformats.org/markup-compatibility/2006">
-        <mc:Choice xmlns:a14="http://schemas.microsoft.com/office/drawing/2010/main" Requires="a14">
+      <mc:AlternateContent xmlns:mc="http://schemas.openxmlformats.org/markup-compatibility/2006" xmlns:a14="http://schemas.microsoft.com/office/drawing/2010/main">
+        <mc:Choice Requires="a14">
           <p:sp>
             <p:nvSpPr>
               <p:cNvPr id="9" name="TextBox 8"/>
@@ -3430,6 +3427,7 @@
               </a:bodyPr>
               <a:lstStyle/>
               <a:p>
+                <a:pPr/>
                 <a14:m>
                   <m:oMathPara xmlns:m="http://schemas.openxmlformats.org/officeDocument/2006/math">
                     <m:oMathParaPr>
@@ -3450,7 +3448,7 @@
             </p:txBody>
           </p:sp>
         </mc:Choice>
-        <mc:Fallback>
+        <mc:Fallback xmlns="">
           <p:sp>
             <p:nvSpPr>
               <p:cNvPr id="9" name="TextBox 8"/>
@@ -3489,8 +3487,8 @@
           </p:sp>
         </mc:Fallback>
       </mc:AlternateContent>
-      <mc:AlternateContent xmlns:mc="http://schemas.openxmlformats.org/markup-compatibility/2006">
-        <mc:Choice xmlns:a14="http://schemas.microsoft.com/office/drawing/2010/main" Requires="a14">
+      <mc:AlternateContent xmlns:mc="http://schemas.openxmlformats.org/markup-compatibility/2006" xmlns:a14="http://schemas.microsoft.com/office/drawing/2010/main">
+        <mc:Choice Requires="a14">
           <p:sp>
             <p:nvSpPr>
               <p:cNvPr id="10" name="TextBox 9"/>
@@ -3513,6 +3511,7 @@
               </a:bodyPr>
               <a:lstStyle/>
               <a:p>
+                <a:pPr/>
                 <a14:m>
                   <m:oMathPara xmlns:m="http://schemas.openxmlformats.org/officeDocument/2006/math">
                     <m:oMathParaPr>
@@ -3533,7 +3532,7 @@
             </p:txBody>
           </p:sp>
         </mc:Choice>
-        <mc:Fallback>
+        <mc:Fallback xmlns="">
           <p:sp>
             <p:nvSpPr>
               <p:cNvPr id="10" name="TextBox 9"/>
@@ -3582,13 +3581,6 @@
   <p:clrMapOvr>
     <a:masterClrMapping/>
   </p:clrMapOvr>
-  <p:timing>
-    <p:tnLst>
-      <p:par>
-        <p:cTn id="1" dur="indefinite" restart="never" nodeType="tmRoot"/>
-      </p:par>
-    </p:tnLst>
-  </p:timing>
 </p:sld>
 </file>
 
@@ -3609,47 +3601,6 @@
           <a:chExt cx="0" cy="0"/>
         </a:xfrm>
       </p:grpSpPr>
-      <p:pic>
-        <p:nvPicPr>
-          <p:cNvPr id="1026" name="Picture 2" descr="D:\angeloyeo.github.io\pics\2020-07-07-Euler_Formula\euler_n_1.png"/>
-          <p:cNvPicPr>
-            <a:picLocks noChangeAspect="1" noChangeArrowheads="1"/>
-          </p:cNvPicPr>
-          <p:nvPr/>
-        </p:nvPicPr>
-        <p:blipFill>
-          <a:blip r:embed="rId2">
-            <a:extLst>
-              <a:ext uri="{28A0092B-C50C-407E-A947-70E740481C1C}">
-                <a14:useLocalDpi xmlns:a14="http://schemas.microsoft.com/office/drawing/2010/main" val="0"/>
-              </a:ext>
-            </a:extLst>
-          </a:blip>
-          <a:srcRect/>
-          <a:stretch>
-            <a:fillRect/>
-          </a:stretch>
-        </p:blipFill>
-        <p:spPr bwMode="auto">
-          <a:xfrm>
-            <a:off x="-191294" y="332581"/>
-            <a:ext cx="9526588" cy="6192838"/>
-          </a:xfrm>
-          <a:prstGeom prst="rect">
-            <a:avLst/>
-          </a:prstGeom>
-          <a:noFill/>
-          <a:extLst>
-            <a:ext uri="{909E8E84-426E-40DD-AFC4-6F175D3DCCD1}">
-              <a14:hiddenFill xmlns:a14="http://schemas.microsoft.com/office/drawing/2010/main">
-                <a:solidFill>
-                  <a:srgbClr val="FFFFFF"/>
-                </a:solidFill>
-              </a14:hiddenFill>
-            </a:ext>
-          </a:extLst>
-        </p:spPr>
-      </p:pic>
       <mc:AlternateContent xmlns:mc="http://schemas.openxmlformats.org/markup-compatibility/2006" xmlns:a14="http://schemas.microsoft.com/office/drawing/2010/main">
         <mc:Choice Requires="a14">
           <p:sp>
@@ -3685,7 +3636,7 @@
                         <m:dPr>
                           <m:ctrlPr>
                             <a:rPr lang="en-US" altLang="ko-KR" b="0" i="1" smtClean="0">
-                              <a:latin typeface="Cambria Math"/>
+                              <a:latin typeface="Cambria Math" panose="02040503050406030204" pitchFamily="18" charset="0"/>
                             </a:rPr>
                           </m:ctrlPr>
                         </m:dPr>
@@ -3751,6 +3702,36 @@
           </p:sp>
         </mc:Fallback>
       </mc:AlternateContent>
+      <p:pic>
+        <p:nvPicPr>
+          <p:cNvPr id="3" name="그림 2">
+            <a:extLst>
+              <a:ext uri="{FF2B5EF4-FFF2-40B4-BE49-F238E27FC236}">
+                <a16:creationId xmlns:a16="http://schemas.microsoft.com/office/drawing/2014/main" id="{AA62220B-9BE6-43CE-B413-2EFA9CE16A11}"/>
+              </a:ext>
+            </a:extLst>
+          </p:cNvPr>
+          <p:cNvPicPr>
+            <a:picLocks noChangeAspect="1"/>
+          </p:cNvPicPr>
+          <p:nvPr/>
+        </p:nvPicPr>
+        <p:blipFill>
+          <a:blip r:embed="rId4"/>
+          <a:stretch>
+            <a:fillRect/>
+          </a:stretch>
+        </p:blipFill>
+        <p:spPr>
+          <a:xfrm>
+            <a:off x="0" y="457200"/>
+            <a:ext cx="9144000" cy="5943600"/>
+          </a:xfrm>
+          <a:prstGeom prst="rect">
+            <a:avLst/>
+          </a:prstGeom>
+        </p:spPr>
+      </p:pic>
     </p:spTree>
     <p:extLst>
       <p:ext uri="{BB962C8B-B14F-4D97-AF65-F5344CB8AC3E}">
@@ -3761,13 +3742,6 @@
   <p:clrMapOvr>
     <a:masterClrMapping/>
   </p:clrMapOvr>
-  <p:timing>
-    <p:tnLst>
-      <p:par>
-        <p:cTn id="1" dur="indefinite" restart="never" nodeType="tmRoot"/>
-      </p:par>
-    </p:tnLst>
-  </p:timing>
 </p:sld>
 </file>
 
@@ -4122,7 +4096,7 @@
                 <a:p>
                   <a:pPr algn="ctr"/>
                   <a:r>
-                    <a:rPr lang="ko-KR" altLang="en-US" sz="1100" b="0" dirty="0" smtClean="0"/>
+                    <a:rPr lang="ko-KR" altLang="en-US" sz="1100" b="0" dirty="0"/>
                     <a:t>밑변의 </a:t>
                   </a:r>
                   <a14:m>
@@ -4131,7 +4105,7 @@
                         <m:fPr>
                           <m:ctrlPr>
                             <a:rPr lang="en-US" altLang="ko-KR" sz="1100" b="0" i="1" smtClean="0">
-                              <a:latin typeface="Cambria Math"/>
+                              <a:latin typeface="Cambria Math" panose="02040503050406030204" pitchFamily="18" charset="0"/>
                             </a:rPr>
                           </m:ctrlPr>
                         </m:fPr>
@@ -4155,7 +4129,7 @@
                     </m:oMath>
                   </a14:m>
                   <a:r>
-                    <a:rPr lang="ko-KR" altLang="en-US" sz="1100" dirty="0" smtClean="0"/>
+                    <a:rPr lang="ko-KR" altLang="en-US" sz="1100" dirty="0"/>
                     <a:t>배</a:t>
                   </a:r>
                   <a:endParaRPr lang="en-US" altLang="ko-KR" sz="1100" dirty="0"/>
@@ -4163,10 +4137,9 @@
                 <a:p>
                   <a:pPr algn="ctr"/>
                   <a:r>
-                    <a:rPr lang="ko-KR" altLang="en-US" sz="1100" dirty="0" smtClean="0"/>
+                    <a:rPr lang="ko-KR" altLang="en-US" sz="1100" dirty="0"/>
                     <a:t>길이를 높이로</a:t>
                   </a:r>
-                  <a:endParaRPr lang="ko-KR" altLang="en-US" sz="1100" dirty="0"/>
                 </a:p>
               </p:txBody>
             </p:sp>
@@ -4336,7 +4309,7 @@
                 <a:p>
                   <a:pPr algn="ctr"/>
                   <a:r>
-                    <a:rPr lang="ko-KR" altLang="en-US" sz="1100" b="0" dirty="0" smtClean="0"/>
+                    <a:rPr lang="ko-KR" altLang="en-US" sz="1100" b="0" dirty="0"/>
                     <a:t>밑변의 </a:t>
                   </a:r>
                   <a14:m>
@@ -4345,7 +4318,7 @@
                         <m:fPr>
                           <m:ctrlPr>
                             <a:rPr lang="en-US" altLang="ko-KR" sz="1100" b="0" i="1" smtClean="0">
-                              <a:latin typeface="Cambria Math"/>
+                              <a:latin typeface="Cambria Math" panose="02040503050406030204" pitchFamily="18" charset="0"/>
                             </a:rPr>
                           </m:ctrlPr>
                         </m:fPr>
@@ -4369,7 +4342,7 @@
                     </m:oMath>
                   </a14:m>
                   <a:r>
-                    <a:rPr lang="ko-KR" altLang="en-US" sz="1100" dirty="0" smtClean="0"/>
+                    <a:rPr lang="ko-KR" altLang="en-US" sz="1100" dirty="0"/>
                     <a:t>배</a:t>
                   </a:r>
                   <a:endParaRPr lang="en-US" altLang="ko-KR" sz="1100" dirty="0"/>
@@ -4377,10 +4350,9 @@
                 <a:p>
                   <a:pPr algn="ctr"/>
                   <a:r>
-                    <a:rPr lang="ko-KR" altLang="en-US" sz="1100" dirty="0" smtClean="0"/>
+                    <a:rPr lang="ko-KR" altLang="en-US" sz="1100" dirty="0"/>
                     <a:t>길이를 높이로</a:t>
                   </a:r>
-                  <a:endParaRPr lang="ko-KR" altLang="en-US" sz="1100" dirty="0"/>
                 </a:p>
               </p:txBody>
             </p:sp>
@@ -4460,7 +4432,7 @@
                         <m:sSupPr>
                           <m:ctrlPr>
                             <a:rPr lang="en-US" altLang="ko-KR" b="0" i="1" smtClean="0">
-                              <a:latin typeface="Cambria Math"/>
+                              <a:latin typeface="Cambria Math" panose="02040503050406030204" pitchFamily="18" charset="0"/>
                             </a:rPr>
                           </m:ctrlPr>
                         </m:sSupPr>
@@ -4469,7 +4441,7 @@
                             <m:dPr>
                               <m:ctrlPr>
                                 <a:rPr lang="en-US" altLang="ko-KR" b="0" i="1" smtClean="0">
-                                  <a:latin typeface="Cambria Math"/>
+                                  <a:latin typeface="Cambria Math" panose="02040503050406030204" pitchFamily="18" charset="0"/>
                                 </a:rPr>
                               </m:ctrlPr>
                             </m:dPr>
@@ -4484,7 +4456,7 @@
                                 <m:fPr>
                                   <m:ctrlPr>
                                     <a:rPr lang="en-US" altLang="ko-KR" b="0" i="1" smtClean="0">
-                                      <a:latin typeface="Cambria Math"/>
+                                      <a:latin typeface="Cambria Math" panose="02040503050406030204" pitchFamily="18" charset="0"/>
                                     </a:rPr>
                                   </m:ctrlPr>
                                 </m:fPr>
@@ -4599,7 +4571,7 @@
                         <m:dPr>
                           <m:ctrlPr>
                             <a:rPr lang="en-US" altLang="ko-KR" b="0" i="1" smtClean="0">
-                              <a:latin typeface="Cambria Math"/>
+                              <a:latin typeface="Cambria Math" panose="02040503050406030204" pitchFamily="18" charset="0"/>
                             </a:rPr>
                           </m:ctrlPr>
                         </m:dPr>
@@ -4614,7 +4586,7 @@
                             <m:fPr>
                               <m:ctrlPr>
                                 <a:rPr lang="en-US" altLang="ko-KR" b="0" i="1" smtClean="0">
-                                  <a:latin typeface="Cambria Math"/>
+                                  <a:latin typeface="Cambria Math" panose="02040503050406030204" pitchFamily="18" charset="0"/>
                                 </a:rPr>
                               </m:ctrlPr>
                             </m:fPr>
@@ -4694,13 +4666,6 @@
   <p:clrMapOvr>
     <a:masterClrMapping/>
   </p:clrMapOvr>
-  <p:timing>
-    <p:tnLst>
-      <p:par>
-        <p:cTn id="1" dur="indefinite" restart="never" nodeType="tmRoot"/>
-      </p:par>
-    </p:tnLst>
-  </p:timing>
 </p:sld>
 </file>
 
@@ -5057,7 +5022,7 @@
                 <a:p>
                   <a:pPr algn="ctr"/>
                   <a:r>
-                    <a:rPr lang="ko-KR" altLang="en-US" sz="900" b="0" dirty="0" smtClean="0"/>
+                    <a:rPr lang="ko-KR" altLang="en-US" sz="900" b="0" dirty="0"/>
                     <a:t>밑변의 </a:t>
                   </a:r>
                   <a14:m>
@@ -5066,7 +5031,7 @@
                         <m:fPr>
                           <m:ctrlPr>
                             <a:rPr lang="en-US" altLang="ko-KR" sz="900" b="0" i="1" smtClean="0">
-                              <a:latin typeface="Cambria Math"/>
+                              <a:latin typeface="Cambria Math" panose="02040503050406030204" pitchFamily="18" charset="0"/>
                             </a:rPr>
                           </m:ctrlPr>
                         </m:fPr>
@@ -5090,7 +5055,7 @@
                     </m:oMath>
                   </a14:m>
                   <a:r>
-                    <a:rPr lang="ko-KR" altLang="en-US" sz="900" dirty="0" smtClean="0"/>
+                    <a:rPr lang="ko-KR" altLang="en-US" sz="900" dirty="0"/>
                     <a:t>배</a:t>
                   </a:r>
                   <a:endParaRPr lang="en-US" altLang="ko-KR" sz="900" dirty="0"/>
@@ -5098,10 +5063,9 @@
                 <a:p>
                   <a:pPr algn="ctr"/>
                   <a:r>
-                    <a:rPr lang="ko-KR" altLang="en-US" sz="900" dirty="0" smtClean="0"/>
+                    <a:rPr lang="ko-KR" altLang="en-US" sz="900" dirty="0"/>
                     <a:t>길이를 높이로</a:t>
                   </a:r>
-                  <a:endParaRPr lang="ko-KR" altLang="en-US" sz="900" dirty="0"/>
                 </a:p>
               </p:txBody>
             </p:sp>
@@ -5216,7 +5180,7 @@
                         <m:sSupPr>
                           <m:ctrlPr>
                             <a:rPr lang="en-US" altLang="ko-KR" b="0" i="1" smtClean="0">
-                              <a:latin typeface="Cambria Math"/>
+                              <a:latin typeface="Cambria Math" panose="02040503050406030204" pitchFamily="18" charset="0"/>
                             </a:rPr>
                           </m:ctrlPr>
                         </m:sSupPr>
@@ -5225,7 +5189,7 @@
                             <m:dPr>
                               <m:ctrlPr>
                                 <a:rPr lang="en-US" altLang="ko-KR" b="0" i="1" smtClean="0">
-                                  <a:latin typeface="Cambria Math"/>
+                                  <a:latin typeface="Cambria Math" panose="02040503050406030204" pitchFamily="18" charset="0"/>
                                 </a:rPr>
                               </m:ctrlPr>
                             </m:dPr>
@@ -5240,7 +5204,7 @@
                                 <m:fPr>
                                   <m:ctrlPr>
                                     <a:rPr lang="en-US" altLang="ko-KR" b="0" i="1" smtClean="0">
-                                      <a:latin typeface="Cambria Math"/>
+                                      <a:latin typeface="Cambria Math" panose="02040503050406030204" pitchFamily="18" charset="0"/>
                                     </a:rPr>
                                   </m:ctrlPr>
                                 </m:fPr>
@@ -5355,7 +5319,7 @@
                         <m:dPr>
                           <m:ctrlPr>
                             <a:rPr lang="en-US" altLang="ko-KR" b="0" i="1" smtClean="0">
-                              <a:latin typeface="Cambria Math"/>
+                              <a:latin typeface="Cambria Math" panose="02040503050406030204" pitchFamily="18" charset="0"/>
                             </a:rPr>
                           </m:ctrlPr>
                         </m:dPr>
@@ -5370,7 +5334,7 @@
                             <m:fPr>
                               <m:ctrlPr>
                                 <a:rPr lang="en-US" altLang="ko-KR" b="0" i="1" smtClean="0">
-                                  <a:latin typeface="Cambria Math"/>
+                                  <a:latin typeface="Cambria Math" panose="02040503050406030204" pitchFamily="18" charset="0"/>
                                 </a:rPr>
                               </m:ctrlPr>
                             </m:fPr>
@@ -5530,7 +5494,7 @@
                 <a:p>
                   <a:pPr algn="ctr"/>
                   <a:r>
-                    <a:rPr lang="ko-KR" altLang="en-US" sz="900" b="0" dirty="0" smtClean="0"/>
+                    <a:rPr lang="ko-KR" altLang="en-US" sz="900" b="0" dirty="0"/>
                     <a:t>밑변의 </a:t>
                   </a:r>
                   <a14:m>
@@ -5539,7 +5503,7 @@
                         <m:fPr>
                           <m:ctrlPr>
                             <a:rPr lang="en-US" altLang="ko-KR" sz="900" b="0" i="1" smtClean="0">
-                              <a:latin typeface="Cambria Math"/>
+                              <a:latin typeface="Cambria Math" panose="02040503050406030204" pitchFamily="18" charset="0"/>
                             </a:rPr>
                           </m:ctrlPr>
                         </m:fPr>
@@ -5563,7 +5527,7 @@
                     </m:oMath>
                   </a14:m>
                   <a:r>
-                    <a:rPr lang="ko-KR" altLang="en-US" sz="900" dirty="0" smtClean="0"/>
+                    <a:rPr lang="ko-KR" altLang="en-US" sz="900" dirty="0"/>
                     <a:t>배</a:t>
                   </a:r>
                   <a:endParaRPr lang="en-US" altLang="ko-KR" sz="900" dirty="0"/>
@@ -5571,10 +5535,9 @@
                 <a:p>
                   <a:pPr algn="ctr"/>
                   <a:r>
-                    <a:rPr lang="ko-KR" altLang="en-US" sz="900" dirty="0" smtClean="0"/>
+                    <a:rPr lang="ko-KR" altLang="en-US" sz="900" dirty="0"/>
                     <a:t>길이를 높이로</a:t>
                   </a:r>
-                  <a:endParaRPr lang="ko-KR" altLang="en-US" sz="900" dirty="0"/>
                 </a:p>
               </p:txBody>
             </p:sp>
@@ -5654,7 +5617,7 @@
                         <m:sSupPr>
                           <m:ctrlPr>
                             <a:rPr lang="en-US" altLang="ko-KR" b="0" i="1" smtClean="0">
-                              <a:latin typeface="Cambria Math"/>
+                              <a:latin typeface="Cambria Math" panose="02040503050406030204" pitchFamily="18" charset="0"/>
                             </a:rPr>
                           </m:ctrlPr>
                         </m:sSupPr>
@@ -5663,7 +5626,7 @@
                             <m:dPr>
                               <m:ctrlPr>
                                 <a:rPr lang="en-US" altLang="ko-KR" b="0" i="1" smtClean="0">
-                                  <a:latin typeface="Cambria Math"/>
+                                  <a:latin typeface="Cambria Math" panose="02040503050406030204" pitchFamily="18" charset="0"/>
                                 </a:rPr>
                               </m:ctrlPr>
                             </m:dPr>
@@ -5678,7 +5641,7 @@
                                 <m:fPr>
                                   <m:ctrlPr>
                                     <a:rPr lang="en-US" altLang="ko-KR" b="0" i="1" smtClean="0">
-                                      <a:latin typeface="Cambria Math"/>
+                                      <a:latin typeface="Cambria Math" panose="02040503050406030204" pitchFamily="18" charset="0"/>
                                     </a:rPr>
                                   </m:ctrlPr>
                                 </m:fPr>
@@ -5848,7 +5811,7 @@
                 <a:p>
                   <a:pPr algn="ctr"/>
                   <a:r>
-                    <a:rPr lang="ko-KR" altLang="en-US" sz="900" b="0" dirty="0" smtClean="0"/>
+                    <a:rPr lang="ko-KR" altLang="en-US" sz="900" b="0" dirty="0"/>
                     <a:t>밑변의 </a:t>
                   </a:r>
                   <a14:m>
@@ -5857,7 +5820,7 @@
                         <m:fPr>
                           <m:ctrlPr>
                             <a:rPr lang="en-US" altLang="ko-KR" sz="900" b="0" i="1" smtClean="0">
-                              <a:latin typeface="Cambria Math"/>
+                              <a:latin typeface="Cambria Math" panose="02040503050406030204" pitchFamily="18" charset="0"/>
                             </a:rPr>
                           </m:ctrlPr>
                         </m:fPr>
@@ -5881,7 +5844,7 @@
                     </m:oMath>
                   </a14:m>
                   <a:r>
-                    <a:rPr lang="ko-KR" altLang="en-US" sz="900" dirty="0" smtClean="0"/>
+                    <a:rPr lang="ko-KR" altLang="en-US" sz="900" dirty="0"/>
                     <a:t>배</a:t>
                   </a:r>
                   <a:endParaRPr lang="en-US" altLang="ko-KR" sz="900" dirty="0"/>
@@ -5889,10 +5852,9 @@
                 <a:p>
                   <a:pPr algn="ctr"/>
                   <a:r>
-                    <a:rPr lang="ko-KR" altLang="en-US" sz="900" dirty="0" smtClean="0"/>
+                    <a:rPr lang="ko-KR" altLang="en-US" sz="900" dirty="0"/>
                     <a:t>길이를 높이로</a:t>
                   </a:r>
-                  <a:endParaRPr lang="ko-KR" altLang="en-US" sz="900" dirty="0"/>
                 </a:p>
               </p:txBody>
             </p:sp>
@@ -5982,13 +5944,6 @@
   <p:clrMapOvr>
     <a:masterClrMapping/>
   </p:clrMapOvr>
-  <p:timing>
-    <p:tnLst>
-      <p:par>
-        <p:cTn id="1" dur="indefinite" restart="never" nodeType="tmRoot"/>
-      </p:par>
-    </p:tnLst>
-  </p:timing>
 </p:sld>
 </file>
 
@@ -6050,8 +6005,8 @@
           </a:extLst>
         </p:spPr>
       </p:pic>
-      <mc:AlternateContent xmlns:mc="http://schemas.openxmlformats.org/markup-compatibility/2006">
-        <mc:Choice xmlns:a14="http://schemas.microsoft.com/office/drawing/2010/main" Requires="a14">
+      <mc:AlternateContent xmlns:mc="http://schemas.openxmlformats.org/markup-compatibility/2006" xmlns:a14="http://schemas.microsoft.com/office/drawing/2010/main">
+        <mc:Choice Requires="a14">
           <p:sp>
             <p:nvSpPr>
               <p:cNvPr id="5" name="TextBox 4"/>
@@ -6085,7 +6040,7 @@
                         <m:sSupPr>
                           <m:ctrlPr>
                             <a:rPr lang="en-US" altLang="ko-KR" b="0" i="1" smtClean="0">
-                              <a:latin typeface="Cambria Math"/>
+                              <a:latin typeface="Cambria Math" panose="02040503050406030204" pitchFamily="18" charset="0"/>
                             </a:rPr>
                           </m:ctrlPr>
                         </m:sSupPr>
@@ -6094,7 +6049,7 @@
                             <m:dPr>
                               <m:ctrlPr>
                                 <a:rPr lang="en-US" altLang="ko-KR" b="0" i="1" smtClean="0">
-                                  <a:latin typeface="Cambria Math"/>
+                                  <a:latin typeface="Cambria Math" panose="02040503050406030204" pitchFamily="18" charset="0"/>
                                 </a:rPr>
                               </m:ctrlPr>
                             </m:dPr>
@@ -6109,7 +6064,7 @@
                                 <m:fPr>
                                   <m:ctrlPr>
                                     <a:rPr lang="en-US" altLang="ko-KR" b="0" i="1" smtClean="0">
-                                      <a:latin typeface="Cambria Math"/>
+                                      <a:latin typeface="Cambria Math" panose="02040503050406030204" pitchFamily="18" charset="0"/>
                                     </a:rPr>
                                   </m:ctrlPr>
                                 </m:fPr>
@@ -6150,7 +6105,7 @@
             </p:txBody>
           </p:sp>
         </mc:Choice>
-        <mc:Fallback>
+        <mc:Fallback xmlns="">
           <p:sp>
             <p:nvSpPr>
               <p:cNvPr id="5" name="TextBox 4"/>
@@ -6189,8 +6144,8 @@
           </p:sp>
         </mc:Fallback>
       </mc:AlternateContent>
-      <mc:AlternateContent xmlns:mc="http://schemas.openxmlformats.org/markup-compatibility/2006">
-        <mc:Choice xmlns:a14="http://schemas.microsoft.com/office/drawing/2010/main" Requires="a14">
+      <mc:AlternateContent xmlns:mc="http://schemas.openxmlformats.org/markup-compatibility/2006" xmlns:a14="http://schemas.microsoft.com/office/drawing/2010/main">
+        <mc:Choice Requires="a14">
           <p:sp>
             <p:nvSpPr>
               <p:cNvPr id="6" name="TextBox 5"/>
@@ -6224,7 +6179,7 @@
                         <m:sSupPr>
                           <m:ctrlPr>
                             <a:rPr lang="en-US" altLang="ko-KR" b="0" i="1" smtClean="0">
-                              <a:latin typeface="Cambria Math"/>
+                              <a:latin typeface="Cambria Math" panose="02040503050406030204" pitchFamily="18" charset="0"/>
                             </a:rPr>
                           </m:ctrlPr>
                         </m:sSupPr>
@@ -6233,7 +6188,7 @@
                             <m:dPr>
                               <m:ctrlPr>
                                 <a:rPr lang="en-US" altLang="ko-KR" b="0" i="1" smtClean="0">
-                                  <a:latin typeface="Cambria Math"/>
+                                  <a:latin typeface="Cambria Math" panose="02040503050406030204" pitchFamily="18" charset="0"/>
                                 </a:rPr>
                               </m:ctrlPr>
                             </m:dPr>
@@ -6248,7 +6203,7 @@
                                 <m:fPr>
                                   <m:ctrlPr>
                                     <a:rPr lang="en-US" altLang="ko-KR" b="0" i="1" smtClean="0">
-                                      <a:latin typeface="Cambria Math"/>
+                                      <a:latin typeface="Cambria Math" panose="02040503050406030204" pitchFamily="18" charset="0"/>
                                     </a:rPr>
                                   </m:ctrlPr>
                                 </m:fPr>
@@ -6289,7 +6244,7 @@
             </p:txBody>
           </p:sp>
         </mc:Choice>
-        <mc:Fallback>
+        <mc:Fallback xmlns="">
           <p:sp>
             <p:nvSpPr>
               <p:cNvPr id="6" name="TextBox 5"/>
@@ -6328,8 +6283,8 @@
           </p:sp>
         </mc:Fallback>
       </mc:AlternateContent>
-      <mc:AlternateContent xmlns:mc="http://schemas.openxmlformats.org/markup-compatibility/2006">
-        <mc:Choice xmlns:a14="http://schemas.microsoft.com/office/drawing/2010/main" Requires="a14">
+      <mc:AlternateContent xmlns:mc="http://schemas.openxmlformats.org/markup-compatibility/2006" xmlns:a14="http://schemas.microsoft.com/office/drawing/2010/main">
+        <mc:Choice Requires="a14">
           <p:sp>
             <p:nvSpPr>
               <p:cNvPr id="7" name="TextBox 6"/>
@@ -6363,7 +6318,7 @@
                         <m:sSupPr>
                           <m:ctrlPr>
                             <a:rPr lang="en-US" altLang="ko-KR" b="0" i="1" smtClean="0">
-                              <a:latin typeface="Cambria Math"/>
+                              <a:latin typeface="Cambria Math" panose="02040503050406030204" pitchFamily="18" charset="0"/>
                             </a:rPr>
                           </m:ctrlPr>
                         </m:sSupPr>
@@ -6372,7 +6327,7 @@
                             <m:dPr>
                               <m:ctrlPr>
                                 <a:rPr lang="en-US" altLang="ko-KR" b="0" i="1" smtClean="0">
-                                  <a:latin typeface="Cambria Math"/>
+                                  <a:latin typeface="Cambria Math" panose="02040503050406030204" pitchFamily="18" charset="0"/>
                                 </a:rPr>
                               </m:ctrlPr>
                             </m:dPr>
@@ -6387,7 +6342,7 @@
                                 <m:fPr>
                                   <m:ctrlPr>
                                     <a:rPr lang="en-US" altLang="ko-KR" b="0" i="1" smtClean="0">
-                                      <a:latin typeface="Cambria Math"/>
+                                      <a:latin typeface="Cambria Math" panose="02040503050406030204" pitchFamily="18" charset="0"/>
                                     </a:rPr>
                                   </m:ctrlPr>
                                 </m:fPr>
@@ -6428,7 +6383,7 @@
             </p:txBody>
           </p:sp>
         </mc:Choice>
-        <mc:Fallback>
+        <mc:Fallback xmlns="">
           <p:sp>
             <p:nvSpPr>
               <p:cNvPr id="7" name="TextBox 6"/>
@@ -6467,8 +6422,8 @@
           </p:sp>
         </mc:Fallback>
       </mc:AlternateContent>
-      <mc:AlternateContent xmlns:mc="http://schemas.openxmlformats.org/markup-compatibility/2006">
-        <mc:Choice xmlns:a14="http://schemas.microsoft.com/office/drawing/2010/main" Requires="a14">
+      <mc:AlternateContent xmlns:mc="http://schemas.openxmlformats.org/markup-compatibility/2006" xmlns:a14="http://schemas.microsoft.com/office/drawing/2010/main">
+        <mc:Choice Requires="a14">
           <p:sp>
             <p:nvSpPr>
               <p:cNvPr id="8" name="TextBox 7"/>
@@ -6512,7 +6467,7 @@
             </p:txBody>
           </p:sp>
         </mc:Choice>
-        <mc:Fallback>
+        <mc:Fallback xmlns="">
           <p:sp>
             <p:nvSpPr>
               <p:cNvPr id="8" name="TextBox 7"/>
@@ -6551,8 +6506,8 @@
           </p:sp>
         </mc:Fallback>
       </mc:AlternateContent>
-      <mc:AlternateContent xmlns:mc="http://schemas.openxmlformats.org/markup-compatibility/2006">
-        <mc:Choice xmlns:a14="http://schemas.microsoft.com/office/drawing/2010/main" Requires="a14">
+      <mc:AlternateContent xmlns:mc="http://schemas.openxmlformats.org/markup-compatibility/2006" xmlns:a14="http://schemas.microsoft.com/office/drawing/2010/main">
+        <mc:Choice Requires="a14">
           <p:sp>
             <p:nvSpPr>
               <p:cNvPr id="9" name="TextBox 8"/>
@@ -6596,7 +6551,7 @@
             </p:txBody>
           </p:sp>
         </mc:Choice>
-        <mc:Fallback>
+        <mc:Fallback xmlns="">
           <p:sp>
             <p:nvSpPr>
               <p:cNvPr id="9" name="TextBox 8"/>
@@ -6645,13 +6600,6 @@
   <p:clrMapOvr>
     <a:masterClrMapping/>
   </p:clrMapOvr>
-  <p:timing>
-    <p:tnLst>
-      <p:par>
-        <p:cTn id="1" dur="indefinite" restart="never" nodeType="tmRoot"/>
-      </p:par>
-    </p:tnLst>
-  </p:timing>
 </p:sld>
 </file>
 

--- a/pics/2020-07-07-Euler_Formula/pics.pptx
+++ b/pics/2020-07-07-Euler_Formula/pics.pptx
@@ -8,8 +8,10 @@
     <p:sldId id="260" r:id="rId2"/>
     <p:sldId id="258" r:id="rId3"/>
     <p:sldId id="256" r:id="rId4"/>
-    <p:sldId id="257" r:id="rId5"/>
-    <p:sldId id="259" r:id="rId6"/>
+    <p:sldId id="261" r:id="rId5"/>
+    <p:sldId id="257" r:id="rId6"/>
+    <p:sldId id="262" r:id="rId7"/>
+    <p:sldId id="259" r:id="rId8"/>
   </p:sldIdLst>
   <p:sldSz cx="9144000" cy="6858000" type="screen4x3"/>
   <p:notesSz cx="6858000" cy="9144000"/>
@@ -306,7 +308,7 @@
           <a:p>
             <a:fld id="{D1B4D010-465A-4C95-AB7A-ED2EFB803242}" type="datetimeFigureOut">
               <a:rPr lang="ko-KR" altLang="en-US" smtClean="0"/>
-              <a:t>2021-05-19</a:t>
+              <a:t>2023-04-24</a:t>
             </a:fld>
             <a:endParaRPr lang="ko-KR" altLang="en-US"/>
           </a:p>
@@ -474,7 +476,7 @@
           <a:p>
             <a:fld id="{D1B4D010-465A-4C95-AB7A-ED2EFB803242}" type="datetimeFigureOut">
               <a:rPr lang="ko-KR" altLang="en-US" smtClean="0"/>
-              <a:t>2021-05-19</a:t>
+              <a:t>2023-04-24</a:t>
             </a:fld>
             <a:endParaRPr lang="ko-KR" altLang="en-US"/>
           </a:p>
@@ -652,7 +654,7 @@
           <a:p>
             <a:fld id="{D1B4D010-465A-4C95-AB7A-ED2EFB803242}" type="datetimeFigureOut">
               <a:rPr lang="ko-KR" altLang="en-US" smtClean="0"/>
-              <a:t>2021-05-19</a:t>
+              <a:t>2023-04-24</a:t>
             </a:fld>
             <a:endParaRPr lang="ko-KR" altLang="en-US"/>
           </a:p>
@@ -820,7 +822,7 @@
           <a:p>
             <a:fld id="{D1B4D010-465A-4C95-AB7A-ED2EFB803242}" type="datetimeFigureOut">
               <a:rPr lang="ko-KR" altLang="en-US" smtClean="0"/>
-              <a:t>2021-05-19</a:t>
+              <a:t>2023-04-24</a:t>
             </a:fld>
             <a:endParaRPr lang="ko-KR" altLang="en-US"/>
           </a:p>
@@ -1065,7 +1067,7 @@
           <a:p>
             <a:fld id="{D1B4D010-465A-4C95-AB7A-ED2EFB803242}" type="datetimeFigureOut">
               <a:rPr lang="ko-KR" altLang="en-US" smtClean="0"/>
-              <a:t>2021-05-19</a:t>
+              <a:t>2023-04-24</a:t>
             </a:fld>
             <a:endParaRPr lang="ko-KR" altLang="en-US"/>
           </a:p>
@@ -1350,7 +1352,7 @@
           <a:p>
             <a:fld id="{D1B4D010-465A-4C95-AB7A-ED2EFB803242}" type="datetimeFigureOut">
               <a:rPr lang="ko-KR" altLang="en-US" smtClean="0"/>
-              <a:t>2021-05-19</a:t>
+              <a:t>2023-04-24</a:t>
             </a:fld>
             <a:endParaRPr lang="ko-KR" altLang="en-US"/>
           </a:p>
@@ -1769,7 +1771,7 @@
           <a:p>
             <a:fld id="{D1B4D010-465A-4C95-AB7A-ED2EFB803242}" type="datetimeFigureOut">
               <a:rPr lang="ko-KR" altLang="en-US" smtClean="0"/>
-              <a:t>2021-05-19</a:t>
+              <a:t>2023-04-24</a:t>
             </a:fld>
             <a:endParaRPr lang="ko-KR" altLang="en-US"/>
           </a:p>
@@ -1886,7 +1888,7 @@
           <a:p>
             <a:fld id="{D1B4D010-465A-4C95-AB7A-ED2EFB803242}" type="datetimeFigureOut">
               <a:rPr lang="ko-KR" altLang="en-US" smtClean="0"/>
-              <a:t>2021-05-19</a:t>
+              <a:t>2023-04-24</a:t>
             </a:fld>
             <a:endParaRPr lang="ko-KR" altLang="en-US"/>
           </a:p>
@@ -1981,7 +1983,7 @@
           <a:p>
             <a:fld id="{D1B4D010-465A-4C95-AB7A-ED2EFB803242}" type="datetimeFigureOut">
               <a:rPr lang="ko-KR" altLang="en-US" smtClean="0"/>
-              <a:t>2021-05-19</a:t>
+              <a:t>2023-04-24</a:t>
             </a:fld>
             <a:endParaRPr lang="ko-KR" altLang="en-US"/>
           </a:p>
@@ -2256,7 +2258,7 @@
           <a:p>
             <a:fld id="{D1B4D010-465A-4C95-AB7A-ED2EFB803242}" type="datetimeFigureOut">
               <a:rPr lang="ko-KR" altLang="en-US" smtClean="0"/>
-              <a:t>2021-05-19</a:t>
+              <a:t>2023-04-24</a:t>
             </a:fld>
             <a:endParaRPr lang="ko-KR" altLang="en-US"/>
           </a:p>
@@ -2508,7 +2510,7 @@
           <a:p>
             <a:fld id="{D1B4D010-465A-4C95-AB7A-ED2EFB803242}" type="datetimeFigureOut">
               <a:rPr lang="ko-KR" altLang="en-US" smtClean="0"/>
-              <a:t>2021-05-19</a:t>
+              <a:t>2023-04-24</a:t>
             </a:fld>
             <a:endParaRPr lang="ko-KR" altLang="en-US"/>
           </a:p>
@@ -2719,7 +2721,7 @@
           <a:p>
             <a:fld id="{D1B4D010-465A-4C95-AB7A-ED2EFB803242}" type="datetimeFigureOut">
               <a:rPr lang="ko-KR" altLang="en-US" smtClean="0"/>
-              <a:t>2021-05-19</a:t>
+              <a:t>2023-04-24</a:t>
             </a:fld>
             <a:endParaRPr lang="ko-KR" altLang="en-US"/>
           </a:p>
@@ -4688,6 +4690,780 @@
       </p:grpSpPr>
       <p:pic>
         <p:nvPicPr>
+          <p:cNvPr id="1026" name="Picture 2" descr="D:\angeloyeo.github.io\pics\2020-07-07-Euler_Formula\euler_n_2.png"/>
+          <p:cNvPicPr>
+            <a:picLocks noChangeAspect="1" noChangeArrowheads="1"/>
+          </p:cNvPicPr>
+          <p:nvPr/>
+        </p:nvPicPr>
+        <p:blipFill rotWithShape="1">
+          <a:blip r:embed="rId2">
+            <a:extLst>
+              <a:ext uri="{28A0092B-C50C-407E-A947-70E740481C1C}">
+                <a14:useLocalDpi xmlns:a14="http://schemas.microsoft.com/office/drawing/2010/main" val="0"/>
+              </a:ext>
+            </a:extLst>
+          </a:blip>
+          <a:srcRect l="22790" t="4522" r="18968" b="9322"/>
+          <a:stretch/>
+        </p:blipFill>
+        <p:spPr bwMode="auto">
+          <a:xfrm>
+            <a:off x="1979720" y="612559"/>
+            <a:ext cx="5548544" cy="5335480"/>
+          </a:xfrm>
+          <a:prstGeom prst="rect">
+            <a:avLst/>
+          </a:prstGeom>
+          <a:noFill/>
+          <a:extLst>
+            <a:ext uri="{909E8E84-426E-40DD-AFC4-6F175D3DCCD1}">
+              <a14:hiddenFill xmlns:a14="http://schemas.microsoft.com/office/drawing/2010/main">
+                <a:solidFill>
+                  <a:srgbClr val="FFFFFF"/>
+                </a:solidFill>
+              </a14:hiddenFill>
+            </a:ext>
+          </a:extLst>
+        </p:spPr>
+      </p:pic>
+      <p:grpSp>
+        <p:nvGrpSpPr>
+          <p:cNvPr id="7" name="그룹 6"/>
+          <p:cNvGrpSpPr/>
+          <p:nvPr/>
+        </p:nvGrpSpPr>
+        <p:grpSpPr>
+          <a:xfrm>
+            <a:off x="5626720" y="5092326"/>
+            <a:ext cx="144016" cy="144016"/>
+            <a:chOff x="5636245" y="5101851"/>
+            <a:chExt cx="144016" cy="144016"/>
+          </a:xfrm>
+        </p:grpSpPr>
+        <p:cxnSp>
+          <p:nvCxnSpPr>
+            <p:cNvPr id="6" name="직선 연결선 5"/>
+            <p:cNvCxnSpPr/>
+            <p:nvPr/>
+          </p:nvCxnSpPr>
+          <p:spPr>
+            <a:xfrm flipH="1">
+              <a:off x="5636245" y="5106613"/>
+              <a:ext cx="144016" cy="0"/>
+            </a:xfrm>
+            <a:prstGeom prst="line">
+              <a:avLst/>
+            </a:prstGeom>
+            <a:ln>
+              <a:solidFill>
+                <a:schemeClr val="tx1"/>
+              </a:solidFill>
+            </a:ln>
+          </p:spPr>
+          <p:style>
+            <a:lnRef idx="1">
+              <a:schemeClr val="accent1"/>
+            </a:lnRef>
+            <a:fillRef idx="0">
+              <a:schemeClr val="accent1"/>
+            </a:fillRef>
+            <a:effectRef idx="0">
+              <a:schemeClr val="accent1"/>
+            </a:effectRef>
+            <a:fontRef idx="minor">
+              <a:schemeClr val="tx1"/>
+            </a:fontRef>
+          </p:style>
+        </p:cxnSp>
+        <p:cxnSp>
+          <p:nvCxnSpPr>
+            <p:cNvPr id="8" name="직선 연결선 7"/>
+            <p:cNvCxnSpPr/>
+            <p:nvPr/>
+          </p:nvCxnSpPr>
+          <p:spPr>
+            <a:xfrm rot="16200000" flipH="1">
+              <a:off x="5566618" y="5173859"/>
+              <a:ext cx="144016" cy="0"/>
+            </a:xfrm>
+            <a:prstGeom prst="line">
+              <a:avLst/>
+            </a:prstGeom>
+            <a:ln>
+              <a:solidFill>
+                <a:schemeClr val="tx1"/>
+              </a:solidFill>
+            </a:ln>
+          </p:spPr>
+          <p:style>
+            <a:lnRef idx="1">
+              <a:schemeClr val="accent1"/>
+            </a:lnRef>
+            <a:fillRef idx="0">
+              <a:schemeClr val="accent1"/>
+            </a:fillRef>
+            <a:effectRef idx="0">
+              <a:schemeClr val="accent1"/>
+            </a:effectRef>
+            <a:fontRef idx="minor">
+              <a:schemeClr val="tx1"/>
+            </a:fontRef>
+          </p:style>
+        </p:cxnSp>
+      </p:grpSp>
+      <p:grpSp>
+        <p:nvGrpSpPr>
+          <p:cNvPr id="10" name="그룹 9"/>
+          <p:cNvGrpSpPr/>
+          <p:nvPr/>
+        </p:nvGrpSpPr>
+        <p:grpSpPr>
+          <a:xfrm rot="19873930">
+            <a:off x="5610477" y="3659208"/>
+            <a:ext cx="144016" cy="144016"/>
+            <a:chOff x="5636245" y="5101851"/>
+            <a:chExt cx="144016" cy="144016"/>
+          </a:xfrm>
+        </p:grpSpPr>
+        <p:cxnSp>
+          <p:nvCxnSpPr>
+            <p:cNvPr id="11" name="직선 연결선 10"/>
+            <p:cNvCxnSpPr/>
+            <p:nvPr/>
+          </p:nvCxnSpPr>
+          <p:spPr>
+            <a:xfrm flipH="1">
+              <a:off x="5636245" y="5106613"/>
+              <a:ext cx="144016" cy="0"/>
+            </a:xfrm>
+            <a:prstGeom prst="line">
+              <a:avLst/>
+            </a:prstGeom>
+            <a:ln>
+              <a:solidFill>
+                <a:schemeClr val="tx1"/>
+              </a:solidFill>
+            </a:ln>
+          </p:spPr>
+          <p:style>
+            <a:lnRef idx="1">
+              <a:schemeClr val="accent1"/>
+            </a:lnRef>
+            <a:fillRef idx="0">
+              <a:schemeClr val="accent1"/>
+            </a:fillRef>
+            <a:effectRef idx="0">
+              <a:schemeClr val="accent1"/>
+            </a:effectRef>
+            <a:fontRef idx="minor">
+              <a:schemeClr val="tx1"/>
+            </a:fontRef>
+          </p:style>
+        </p:cxnSp>
+        <p:cxnSp>
+          <p:nvCxnSpPr>
+            <p:cNvPr id="12" name="직선 연결선 11"/>
+            <p:cNvCxnSpPr/>
+            <p:nvPr/>
+          </p:nvCxnSpPr>
+          <p:spPr>
+            <a:xfrm rot="16200000" flipH="1">
+              <a:off x="5566618" y="5173859"/>
+              <a:ext cx="144016" cy="0"/>
+            </a:xfrm>
+            <a:prstGeom prst="line">
+              <a:avLst/>
+            </a:prstGeom>
+            <a:ln>
+              <a:solidFill>
+                <a:schemeClr val="tx1"/>
+              </a:solidFill>
+            </a:ln>
+          </p:spPr>
+          <p:style>
+            <a:lnRef idx="1">
+              <a:schemeClr val="accent1"/>
+            </a:lnRef>
+            <a:fillRef idx="0">
+              <a:schemeClr val="accent1"/>
+            </a:fillRef>
+            <a:effectRef idx="0">
+              <a:schemeClr val="accent1"/>
+            </a:effectRef>
+            <a:fontRef idx="minor">
+              <a:schemeClr val="tx1"/>
+            </a:fontRef>
+          </p:style>
+        </p:cxnSp>
+      </p:grpSp>
+      <p:cxnSp>
+        <p:nvCxnSpPr>
+          <p:cNvPr id="14" name="직선 연결선 13"/>
+          <p:cNvCxnSpPr/>
+          <p:nvPr/>
+        </p:nvCxnSpPr>
+        <p:spPr>
+          <a:xfrm flipV="1">
+            <a:off x="2824760" y="3764725"/>
+            <a:ext cx="2945976" cy="1476381"/>
+          </a:xfrm>
+          <a:prstGeom prst="line">
+            <a:avLst/>
+          </a:prstGeom>
+          <a:ln w="38100">
+            <a:solidFill>
+              <a:srgbClr val="FF0000"/>
+            </a:solidFill>
+          </a:ln>
+        </p:spPr>
+        <p:style>
+          <a:lnRef idx="1">
+            <a:schemeClr val="accent1"/>
+          </a:lnRef>
+          <a:fillRef idx="0">
+            <a:schemeClr val="accent1"/>
+          </a:fillRef>
+          <a:effectRef idx="0">
+            <a:schemeClr val="accent1"/>
+          </a:effectRef>
+          <a:fontRef idx="minor">
+            <a:schemeClr val="tx1"/>
+          </a:fontRef>
+        </p:style>
+      </p:cxnSp>
+      <p:grpSp>
+        <p:nvGrpSpPr>
+          <p:cNvPr id="25" name="그룹 24"/>
+          <p:cNvGrpSpPr/>
+          <p:nvPr/>
+        </p:nvGrpSpPr>
+        <p:grpSpPr>
+          <a:xfrm>
+            <a:off x="4008291" y="4149080"/>
+            <a:ext cx="1715837" cy="1006951"/>
+            <a:chOff x="4008291" y="4149080"/>
+            <a:chExt cx="1715837" cy="1006951"/>
+          </a:xfrm>
+        </p:grpSpPr>
+        <p:pic>
+          <p:nvPicPr>
+            <p:cNvPr id="21" name="Picture 4" descr="clip art - Clip Art Library"/>
+            <p:cNvPicPr>
+              <a:picLocks noChangeAspect="1" noChangeArrowheads="1"/>
+            </p:cNvPicPr>
+            <p:nvPr/>
+          </p:nvPicPr>
+          <p:blipFill>
+            <a:blip r:embed="rId3" cstate="print">
+              <a:extLst>
+                <a:ext uri="{BEBA8EAE-BF5A-486C-A8C5-ECC9F3942E4B}">
+                  <a14:imgProps xmlns:a14="http://schemas.microsoft.com/office/drawing/2010/main">
+                    <a14:imgLayer r:embed="rId4">
+                      <a14:imgEffect>
+                        <a14:backgroundRemoval t="4000" b="98000" l="3226" r="95161"/>
+                      </a14:imgEffect>
+                    </a14:imgLayer>
+                  </a14:imgProps>
+                </a:ext>
+                <a:ext uri="{28A0092B-C50C-407E-A947-70E740481C1C}">
+                  <a14:useLocalDpi xmlns:a14="http://schemas.microsoft.com/office/drawing/2010/main" val="0"/>
+                </a:ext>
+              </a:extLst>
+            </a:blip>
+            <a:srcRect/>
+            <a:stretch>
+              <a:fillRect/>
+            </a:stretch>
+          </p:blipFill>
+          <p:spPr bwMode="auto">
+            <a:xfrm>
+              <a:off x="4860032" y="4149080"/>
+              <a:ext cx="864096" cy="543018"/>
+            </a:xfrm>
+            <a:prstGeom prst="rect">
+              <a:avLst/>
+            </a:prstGeom>
+            <a:noFill/>
+            <a:extLst>
+              <a:ext uri="{909E8E84-426E-40DD-AFC4-6F175D3DCCD1}">
+                <a14:hiddenFill xmlns:a14="http://schemas.microsoft.com/office/drawing/2010/main">
+                  <a:solidFill>
+                    <a:srgbClr val="FFFFFF"/>
+                  </a:solidFill>
+                </a14:hiddenFill>
+              </a:ext>
+            </a:extLst>
+          </p:spPr>
+        </p:pic>
+        <p:sp>
+          <p:nvSpPr>
+            <p:cNvPr id="22" name="TextBox 21"/>
+            <p:cNvSpPr txBox="1"/>
+            <p:nvPr/>
+          </p:nvSpPr>
+          <p:spPr>
+            <a:xfrm>
+              <a:off x="4008291" y="4725144"/>
+              <a:ext cx="1630575" cy="430887"/>
+            </a:xfrm>
+            <a:prstGeom prst="rect">
+              <a:avLst/>
+            </a:prstGeom>
+            <a:noFill/>
+          </p:spPr>
+          <p:txBody>
+            <a:bodyPr wrap="none" rtlCol="0">
+              <a:spAutoFit/>
+            </a:bodyPr>
+            <a:lstStyle/>
+            <a:p>
+              <a:pPr algn="ctr"/>
+              <a:r>
+                <a:rPr lang="en-US" altLang="ko-KR" sz="1100" dirty="0"/>
+                <a:t>To make the height</a:t>
+              </a:r>
+            </a:p>
+            <a:p>
+              <a:pPr algn="ctr"/>
+              <a:r>
+                <a:rPr lang="en-US" altLang="ko-KR" sz="1100" dirty="0"/>
+                <a:t>the 1/2 length of base</a:t>
+              </a:r>
+              <a:endParaRPr lang="ko-KR" altLang="en-US" sz="1100" dirty="0"/>
+            </a:p>
+          </p:txBody>
+        </p:sp>
+      </p:grpSp>
+      <p:cxnSp>
+        <p:nvCxnSpPr>
+          <p:cNvPr id="23" name="직선 연결선 22"/>
+          <p:cNvCxnSpPr/>
+          <p:nvPr/>
+        </p:nvCxnSpPr>
+        <p:spPr>
+          <a:xfrm flipV="1">
+            <a:off x="2803204" y="5253583"/>
+            <a:ext cx="2977056" cy="1"/>
+          </a:xfrm>
+          <a:prstGeom prst="line">
+            <a:avLst/>
+          </a:prstGeom>
+          <a:ln w="38100">
+            <a:solidFill>
+              <a:schemeClr val="accent1"/>
+            </a:solidFill>
+          </a:ln>
+        </p:spPr>
+        <p:style>
+          <a:lnRef idx="1">
+            <a:schemeClr val="accent1"/>
+          </a:lnRef>
+          <a:fillRef idx="0">
+            <a:schemeClr val="accent1"/>
+          </a:fillRef>
+          <a:effectRef idx="0">
+            <a:schemeClr val="accent1"/>
+          </a:effectRef>
+          <a:fontRef idx="minor">
+            <a:schemeClr val="tx1"/>
+          </a:fontRef>
+        </p:style>
+      </p:cxnSp>
+      <p:grpSp>
+        <p:nvGrpSpPr>
+          <p:cNvPr id="28" name="그룹 27"/>
+          <p:cNvGrpSpPr/>
+          <p:nvPr/>
+        </p:nvGrpSpPr>
+        <p:grpSpPr>
+          <a:xfrm rot="20027148">
+            <a:off x="3787301" y="3156809"/>
+            <a:ext cx="1715831" cy="969795"/>
+            <a:chOff x="4008297" y="4149080"/>
+            <a:chExt cx="1715831" cy="969795"/>
+          </a:xfrm>
+        </p:grpSpPr>
+        <p:pic>
+          <p:nvPicPr>
+            <p:cNvPr id="29" name="Picture 4" descr="clip art - Clip Art Library"/>
+            <p:cNvPicPr>
+              <a:picLocks noChangeAspect="1" noChangeArrowheads="1"/>
+            </p:cNvPicPr>
+            <p:nvPr/>
+          </p:nvPicPr>
+          <p:blipFill>
+            <a:blip r:embed="rId3" cstate="print">
+              <a:extLst>
+                <a:ext uri="{BEBA8EAE-BF5A-486C-A8C5-ECC9F3942E4B}">
+                  <a14:imgProps xmlns:a14="http://schemas.microsoft.com/office/drawing/2010/main">
+                    <a14:imgLayer r:embed="rId4">
+                      <a14:imgEffect>
+                        <a14:backgroundRemoval t="4000" b="98000" l="3226" r="95161"/>
+                      </a14:imgEffect>
+                    </a14:imgLayer>
+                  </a14:imgProps>
+                </a:ext>
+                <a:ext uri="{28A0092B-C50C-407E-A947-70E740481C1C}">
+                  <a14:useLocalDpi xmlns:a14="http://schemas.microsoft.com/office/drawing/2010/main" val="0"/>
+                </a:ext>
+              </a:extLst>
+            </a:blip>
+            <a:srcRect/>
+            <a:stretch>
+              <a:fillRect/>
+            </a:stretch>
+          </p:blipFill>
+          <p:spPr bwMode="auto">
+            <a:xfrm>
+              <a:off x="4860032" y="4149080"/>
+              <a:ext cx="864096" cy="543018"/>
+            </a:xfrm>
+            <a:prstGeom prst="rect">
+              <a:avLst/>
+            </a:prstGeom>
+            <a:noFill/>
+            <a:extLst>
+              <a:ext uri="{909E8E84-426E-40DD-AFC4-6F175D3DCCD1}">
+                <a14:hiddenFill xmlns:a14="http://schemas.microsoft.com/office/drawing/2010/main">
+                  <a:solidFill>
+                    <a:srgbClr val="FFFFFF"/>
+                  </a:solidFill>
+                </a14:hiddenFill>
+              </a:ext>
+            </a:extLst>
+          </p:spPr>
+        </p:pic>
+        <p:sp>
+          <p:nvSpPr>
+            <p:cNvPr id="30" name="TextBox 29"/>
+            <p:cNvSpPr txBox="1"/>
+            <p:nvPr/>
+          </p:nvSpPr>
+          <p:spPr>
+            <a:xfrm>
+              <a:off x="4008297" y="4687988"/>
+              <a:ext cx="1630576" cy="430887"/>
+            </a:xfrm>
+            <a:prstGeom prst="rect">
+              <a:avLst/>
+            </a:prstGeom>
+            <a:noFill/>
+          </p:spPr>
+          <p:txBody>
+            <a:bodyPr wrap="none" rtlCol="0">
+              <a:spAutoFit/>
+            </a:bodyPr>
+            <a:lstStyle/>
+            <a:p>
+              <a:pPr algn="ctr"/>
+              <a:r>
+                <a:rPr lang="en-US" altLang="ko-KR" sz="1100" b="0" dirty="0"/>
+                <a:t>To make the height</a:t>
+              </a:r>
+            </a:p>
+            <a:p>
+              <a:pPr algn="ctr"/>
+              <a:r>
+                <a:rPr lang="en-US" altLang="ko-KR" sz="1100" dirty="0"/>
+                <a:t>the 1/2 length of base</a:t>
+              </a:r>
+              <a:endParaRPr lang="ko-KR" altLang="en-US" sz="1100" dirty="0"/>
+            </a:p>
+          </p:txBody>
+        </p:sp>
+      </p:grpSp>
+      <mc:AlternateContent xmlns:mc="http://schemas.openxmlformats.org/markup-compatibility/2006" xmlns:a14="http://schemas.microsoft.com/office/drawing/2010/main">
+        <mc:Choice Requires="a14">
+          <p:sp>
+            <p:nvSpPr>
+              <p:cNvPr id="31" name="TextBox 30"/>
+              <p:cNvSpPr txBox="1"/>
+              <p:nvPr/>
+            </p:nvSpPr>
+            <p:spPr>
+              <a:xfrm>
+                <a:off x="4468879" y="1607265"/>
+                <a:ext cx="1134093" cy="669607"/>
+              </a:xfrm>
+              <a:prstGeom prst="rect">
+                <a:avLst/>
+              </a:prstGeom>
+              <a:noFill/>
+            </p:spPr>
+            <p:txBody>
+              <a:bodyPr wrap="none" rtlCol="0">
+                <a:spAutoFit/>
+              </a:bodyPr>
+              <a:lstStyle/>
+              <a:p>
+                <a:pPr/>
+                <a14:m>
+                  <m:oMathPara xmlns:m="http://schemas.openxmlformats.org/officeDocument/2006/math">
+                    <m:oMathParaPr>
+                      <m:jc m:val="centerGroup"/>
+                    </m:oMathParaPr>
+                    <m:oMath xmlns:m="http://schemas.openxmlformats.org/officeDocument/2006/math">
+                      <m:sSup>
+                        <m:sSupPr>
+                          <m:ctrlPr>
+                            <a:rPr lang="en-US" altLang="ko-KR" b="0" i="1" smtClean="0">
+                              <a:latin typeface="Cambria Math" panose="02040503050406030204" pitchFamily="18" charset="0"/>
+                            </a:rPr>
+                          </m:ctrlPr>
+                        </m:sSupPr>
+                        <m:e>
+                          <m:d>
+                            <m:dPr>
+                              <m:ctrlPr>
+                                <a:rPr lang="en-US" altLang="ko-KR" b="0" i="1" smtClean="0">
+                                  <a:latin typeface="Cambria Math" panose="02040503050406030204" pitchFamily="18" charset="0"/>
+                                </a:rPr>
+                              </m:ctrlPr>
+                            </m:dPr>
+                            <m:e>
+                              <m:r>
+                                <a:rPr lang="en-US" altLang="ko-KR" b="0" i="1" smtClean="0">
+                                  <a:latin typeface="Cambria Math"/>
+                                </a:rPr>
+                                <m:t>1+</m:t>
+                              </m:r>
+                              <m:f>
+                                <m:fPr>
+                                  <m:ctrlPr>
+                                    <a:rPr lang="en-US" altLang="ko-KR" b="0" i="1" smtClean="0">
+                                      <a:latin typeface="Cambria Math" panose="02040503050406030204" pitchFamily="18" charset="0"/>
+                                    </a:rPr>
+                                  </m:ctrlPr>
+                                </m:fPr>
+                                <m:num>
+                                  <m:r>
+                                    <a:rPr lang="en-US" altLang="ko-KR" b="0" i="1" smtClean="0">
+                                      <a:latin typeface="Cambria Math"/>
+                                    </a:rPr>
+                                    <m:t>𝑖</m:t>
+                                  </m:r>
+                                </m:num>
+                                <m:den>
+                                  <m:r>
+                                    <a:rPr lang="en-US" altLang="ko-KR" b="0" i="1" smtClean="0">
+                                      <a:latin typeface="Cambria Math"/>
+                                    </a:rPr>
+                                    <m:t>2</m:t>
+                                  </m:r>
+                                </m:den>
+                              </m:f>
+                            </m:e>
+                          </m:d>
+                        </m:e>
+                        <m:sup>
+                          <m:r>
+                            <a:rPr lang="en-US" altLang="ko-KR" b="0" i="1" smtClean="0">
+                              <a:latin typeface="Cambria Math"/>
+                            </a:rPr>
+                            <m:t>2</m:t>
+                          </m:r>
+                        </m:sup>
+                      </m:sSup>
+                    </m:oMath>
+                  </m:oMathPara>
+                </a14:m>
+                <a:endParaRPr lang="ko-KR" altLang="en-US" dirty="0"/>
+              </a:p>
+            </p:txBody>
+          </p:sp>
+        </mc:Choice>
+        <mc:Fallback xmlns="">
+          <p:sp>
+            <p:nvSpPr>
+              <p:cNvPr id="31" name="TextBox 30"/>
+              <p:cNvSpPr txBox="1">
+                <a:spLocks noRot="1" noChangeAspect="1" noMove="1" noResize="1" noEditPoints="1" noAdjustHandles="1" noChangeArrowheads="1" noChangeShapeType="1" noTextEdit="1"/>
+              </p:cNvSpPr>
+              <p:nvPr/>
+            </p:nvSpPr>
+            <p:spPr>
+              <a:xfrm>
+                <a:off x="4468879" y="1607265"/>
+                <a:ext cx="1134093" cy="669607"/>
+              </a:xfrm>
+              <a:prstGeom prst="rect">
+                <a:avLst/>
+              </a:prstGeom>
+              <a:blipFill rotWithShape="1">
+                <a:blip r:embed="rId7"/>
+                <a:stretch>
+                  <a:fillRect/>
+                </a:stretch>
+              </a:blipFill>
+            </p:spPr>
+            <p:txBody>
+              <a:bodyPr/>
+              <a:lstStyle/>
+              <a:p>
+                <a:r>
+                  <a:rPr lang="ko-KR" altLang="en-US">
+                    <a:noFill/>
+                  </a:rPr>
+                  <a:t> </a:t>
+                </a:r>
+              </a:p>
+            </p:txBody>
+          </p:sp>
+        </mc:Fallback>
+      </mc:AlternateContent>
+      <mc:AlternateContent xmlns:mc="http://schemas.openxmlformats.org/markup-compatibility/2006" xmlns:a14="http://schemas.microsoft.com/office/drawing/2010/main">
+        <mc:Choice Requires="a14">
+          <p:sp>
+            <p:nvSpPr>
+              <p:cNvPr id="34" name="TextBox 33"/>
+              <p:cNvSpPr txBox="1"/>
+              <p:nvPr/>
+            </p:nvSpPr>
+            <p:spPr>
+              <a:xfrm>
+                <a:off x="5796136" y="3429921"/>
+                <a:ext cx="1026755" cy="614912"/>
+              </a:xfrm>
+              <a:prstGeom prst="rect">
+                <a:avLst/>
+              </a:prstGeom>
+              <a:noFill/>
+            </p:spPr>
+            <p:txBody>
+              <a:bodyPr wrap="none" rtlCol="0">
+                <a:spAutoFit/>
+              </a:bodyPr>
+              <a:lstStyle/>
+              <a:p>
+                <a:pPr/>
+                <a14:m>
+                  <m:oMathPara xmlns:m="http://schemas.openxmlformats.org/officeDocument/2006/math">
+                    <m:oMathParaPr>
+                      <m:jc m:val="centerGroup"/>
+                    </m:oMathParaPr>
+                    <m:oMath xmlns:m="http://schemas.openxmlformats.org/officeDocument/2006/math">
+                      <m:d>
+                        <m:dPr>
+                          <m:ctrlPr>
+                            <a:rPr lang="en-US" altLang="ko-KR" b="0" i="1" smtClean="0">
+                              <a:latin typeface="Cambria Math" panose="02040503050406030204" pitchFamily="18" charset="0"/>
+                            </a:rPr>
+                          </m:ctrlPr>
+                        </m:dPr>
+                        <m:e>
+                          <m:r>
+                            <a:rPr lang="en-US" altLang="ko-KR" b="0" i="1" smtClean="0">
+                              <a:latin typeface="Cambria Math"/>
+                            </a:rPr>
+                            <m:t>1+</m:t>
+                          </m:r>
+                          <m:f>
+                            <m:fPr>
+                              <m:ctrlPr>
+                                <a:rPr lang="en-US" altLang="ko-KR" b="0" i="1" smtClean="0">
+                                  <a:latin typeface="Cambria Math" panose="02040503050406030204" pitchFamily="18" charset="0"/>
+                                </a:rPr>
+                              </m:ctrlPr>
+                            </m:fPr>
+                            <m:num>
+                              <m:r>
+                                <a:rPr lang="en-US" altLang="ko-KR" b="0" i="1" smtClean="0">
+                                  <a:latin typeface="Cambria Math"/>
+                                </a:rPr>
+                                <m:t>𝑖</m:t>
+                              </m:r>
+                            </m:num>
+                            <m:den>
+                              <m:r>
+                                <a:rPr lang="en-US" altLang="ko-KR" b="0" i="1" smtClean="0">
+                                  <a:latin typeface="Cambria Math"/>
+                                </a:rPr>
+                                <m:t>2</m:t>
+                              </m:r>
+                            </m:den>
+                          </m:f>
+                        </m:e>
+                      </m:d>
+                    </m:oMath>
+                  </m:oMathPara>
+                </a14:m>
+                <a:endParaRPr lang="ko-KR" altLang="en-US" dirty="0"/>
+              </a:p>
+            </p:txBody>
+          </p:sp>
+        </mc:Choice>
+        <mc:Fallback xmlns="">
+          <p:sp>
+            <p:nvSpPr>
+              <p:cNvPr id="34" name="TextBox 33"/>
+              <p:cNvSpPr txBox="1">
+                <a:spLocks noRot="1" noChangeAspect="1" noMove="1" noResize="1" noEditPoints="1" noAdjustHandles="1" noChangeArrowheads="1" noChangeShapeType="1" noTextEdit="1"/>
+              </p:cNvSpPr>
+              <p:nvPr/>
+            </p:nvSpPr>
+            <p:spPr>
+              <a:xfrm>
+                <a:off x="5796136" y="3429921"/>
+                <a:ext cx="1026755" cy="614912"/>
+              </a:xfrm>
+              <a:prstGeom prst="rect">
+                <a:avLst/>
+              </a:prstGeom>
+              <a:blipFill rotWithShape="1">
+                <a:blip r:embed="rId8"/>
+                <a:stretch>
+                  <a:fillRect/>
+                </a:stretch>
+              </a:blipFill>
+            </p:spPr>
+            <p:txBody>
+              <a:bodyPr/>
+              <a:lstStyle/>
+              <a:p>
+                <a:r>
+                  <a:rPr lang="ko-KR" altLang="en-US">
+                    <a:noFill/>
+                  </a:rPr>
+                  <a:t> </a:t>
+                </a:r>
+              </a:p>
+            </p:txBody>
+          </p:sp>
+        </mc:Fallback>
+      </mc:AlternateContent>
+    </p:spTree>
+    <p:extLst>
+      <p:ext uri="{BB962C8B-B14F-4D97-AF65-F5344CB8AC3E}">
+        <p14:creationId xmlns:p14="http://schemas.microsoft.com/office/powerpoint/2010/main" val="749672573"/>
+      </p:ext>
+    </p:extLst>
+  </p:cSld>
+  <p:clrMapOvr>
+    <a:masterClrMapping/>
+  </p:clrMapOvr>
+</p:sld>
+</file>
+
+<file path=ppt/slides/slide5.xml><?xml version="1.0" encoding="utf-8"?>
+<p:sld xmlns:a="http://schemas.openxmlformats.org/drawingml/2006/main" xmlns:r="http://schemas.openxmlformats.org/officeDocument/2006/relationships" xmlns:p="http://schemas.openxmlformats.org/presentationml/2006/main">
+  <p:cSld>
+    <p:spTree>
+      <p:nvGrpSpPr>
+        <p:cNvPr id="1" name=""/>
+        <p:cNvGrpSpPr/>
+        <p:nvPr/>
+      </p:nvGrpSpPr>
+      <p:grpSpPr>
+        <a:xfrm>
+          <a:off x="0" y="0"/>
+          <a:ext cx="0" cy="0"/>
+          <a:chOff x="0" y="0"/>
+          <a:chExt cx="0" cy="0"/>
+        </a:xfrm>
+      </p:grpSpPr>
+      <p:pic>
+        <p:nvPicPr>
           <p:cNvPr id="20" name="Picture 2" descr="D:\angeloyeo.github.io\pics\2020-07-07-Euler_Formula\euler_n_3.png"/>
           <p:cNvPicPr>
             <a:picLocks noChangeAspect="1" noChangeArrowheads="1"/>
@@ -5413,9 +6189,9 @@
         <p:grpSpPr>
           <a:xfrm rot="20457536">
             <a:off x="4594443" y="3677306"/>
-            <a:ext cx="1044143" cy="754129"/>
-            <a:chOff x="4644362" y="4465642"/>
-            <a:chExt cx="1044143" cy="754129"/>
+            <a:ext cx="1044142" cy="754129"/>
+            <a:chOff x="4644363" y="4465642"/>
+            <a:chExt cx="1044142" cy="754129"/>
           </a:xfrm>
         </p:grpSpPr>
         <p:pic>
@@ -5468,8 +6244,8 @@
             </a:extLst>
           </p:spPr>
         </p:pic>
-        <mc:AlternateContent xmlns:mc="http://schemas.openxmlformats.org/markup-compatibility/2006" xmlns:a14="http://schemas.microsoft.com/office/drawing/2010/main">
-          <mc:Choice Requires="a14">
+        <mc:AlternateContent xmlns:mc="http://schemas.openxmlformats.org/markup-compatibility/2006">
+          <mc:Choice xmlns:a14="http://schemas.microsoft.com/office/drawing/2010/main" Requires="a14">
             <p:sp>
               <p:nvSpPr>
                 <p:cNvPr id="35" name="TextBox 34"/>
@@ -5478,7 +6254,7 @@
               </p:nvSpPr>
               <p:spPr>
                 <a:xfrm>
-                  <a:off x="4644362" y="4793372"/>
+                  <a:off x="4644363" y="4793372"/>
                   <a:ext cx="917239" cy="426399"/>
                 </a:xfrm>
                 <a:prstGeom prst="rect">
@@ -5542,7 +6318,7 @@
               </p:txBody>
             </p:sp>
           </mc:Choice>
-          <mc:Fallback xmlns="">
+          <mc:Fallback>
             <p:sp>
               <p:nvSpPr>
                 <p:cNvPr id="35" name="TextBox 34"/>
@@ -5553,16 +6329,16 @@
               </p:nvSpPr>
               <p:spPr>
                 <a:xfrm>
-                  <a:off x="4644362" y="4793372"/>
+                  <a:off x="4644363" y="4793372"/>
                   <a:ext cx="917239" cy="426399"/>
                 </a:xfrm>
                 <a:prstGeom prst="rect">
                   <a:avLst/>
                 </a:prstGeom>
-                <a:blipFill rotWithShape="1">
+                <a:blipFill>
                   <a:blip r:embed="rId8"/>
                   <a:stretch>
-                    <a:fillRect b="-862"/>
+                    <a:fillRect b="-1724"/>
                   </a:stretch>
                 </a:blipFill>
               </p:spPr>
@@ -5571,7 +6347,7 @@
                 <a:lstStyle/>
                 <a:p>
                   <a:r>
-                    <a:rPr lang="ko-KR" altLang="en-US">
+                    <a:rPr lang="en-US">
                       <a:noFill/>
                     </a:rPr>
                     <a:t> </a:t>
@@ -5785,8 +6561,8 @@
             </a:extLst>
           </p:spPr>
         </p:pic>
-        <mc:AlternateContent xmlns:mc="http://schemas.openxmlformats.org/markup-compatibility/2006" xmlns:a14="http://schemas.microsoft.com/office/drawing/2010/main">
-          <mc:Choice Requires="a14">
+        <mc:AlternateContent xmlns:mc="http://schemas.openxmlformats.org/markup-compatibility/2006">
+          <mc:Choice xmlns:a14="http://schemas.microsoft.com/office/drawing/2010/main" Requires="a14">
             <p:sp>
               <p:nvSpPr>
                 <p:cNvPr id="26" name="TextBox 25"/>
@@ -5859,10 +6635,10 @@
               </p:txBody>
             </p:sp>
           </mc:Choice>
-          <mc:Fallback xmlns="">
+          <mc:Fallback>
             <p:sp>
               <p:nvSpPr>
-                <p:cNvPr id="35" name="TextBox 34"/>
+                <p:cNvPr id="26" name="TextBox 25"/>
                 <p:cNvSpPr txBox="1">
                   <a:spLocks noRot="1" noChangeAspect="1" noMove="1" noResize="1" noEditPoints="1" noAdjustHandles="1" noChangeArrowheads="1" noChangeShapeType="1" noTextEdit="1"/>
                 </p:cNvSpPr>
@@ -5876,10 +6652,10 @@
                 <a:prstGeom prst="rect">
                   <a:avLst/>
                 </a:prstGeom>
-                <a:blipFill rotWithShape="1">
-                  <a:blip r:embed="rId8"/>
+                <a:blipFill>
+                  <a:blip r:embed="rId10"/>
                   <a:stretch>
-                    <a:fillRect b="-862"/>
+                    <a:fillRect b="-781"/>
                   </a:stretch>
                 </a:blipFill>
               </p:spPr>
@@ -5888,7 +6664,7 @@
                 <a:lstStyle/>
                 <a:p>
                   <a:r>
-                    <a:rPr lang="ko-KR" altLang="en-US">
+                    <a:rPr lang="en-US">
                       <a:noFill/>
                     </a:rPr>
                     <a:t> </a:t>
@@ -5934,6 +6710,109 @@
           </a:fontRef>
         </p:style>
       </p:cxnSp>
+      <p:grpSp>
+        <p:nvGrpSpPr>
+          <p:cNvPr id="2" name="그룹 9">
+            <a:extLst>
+              <a:ext uri="{FF2B5EF4-FFF2-40B4-BE49-F238E27FC236}">
+                <a16:creationId xmlns:a16="http://schemas.microsoft.com/office/drawing/2014/main" id="{6F31D9A1-53C4-B681-C5DB-D7DAE8AA41CD}"/>
+              </a:ext>
+            </a:extLst>
+          </p:cNvPr>
+          <p:cNvGrpSpPr/>
+          <p:nvPr/>
+        </p:nvGrpSpPr>
+        <p:grpSpPr>
+          <a:xfrm rot="19398795">
+            <a:off x="5261529" y="3169725"/>
+            <a:ext cx="144016" cy="144016"/>
+            <a:chOff x="5636245" y="5101851"/>
+            <a:chExt cx="144016" cy="144016"/>
+          </a:xfrm>
+        </p:grpSpPr>
+        <p:cxnSp>
+          <p:nvCxnSpPr>
+            <p:cNvPr id="3" name="직선 연결선 10">
+              <a:extLst>
+                <a:ext uri="{FF2B5EF4-FFF2-40B4-BE49-F238E27FC236}">
+                  <a16:creationId xmlns:a16="http://schemas.microsoft.com/office/drawing/2014/main" id="{7A0B2592-931D-5160-1E6C-FF14911124E1}"/>
+                </a:ext>
+              </a:extLst>
+            </p:cNvPr>
+            <p:cNvCxnSpPr/>
+            <p:nvPr/>
+          </p:nvCxnSpPr>
+          <p:spPr>
+            <a:xfrm flipH="1">
+              <a:off x="5636245" y="5106613"/>
+              <a:ext cx="144016" cy="0"/>
+            </a:xfrm>
+            <a:prstGeom prst="line">
+              <a:avLst/>
+            </a:prstGeom>
+            <a:ln>
+              <a:solidFill>
+                <a:schemeClr val="tx1"/>
+              </a:solidFill>
+            </a:ln>
+          </p:spPr>
+          <p:style>
+            <a:lnRef idx="1">
+              <a:schemeClr val="accent1"/>
+            </a:lnRef>
+            <a:fillRef idx="0">
+              <a:schemeClr val="accent1"/>
+            </a:fillRef>
+            <a:effectRef idx="0">
+              <a:schemeClr val="accent1"/>
+            </a:effectRef>
+            <a:fontRef idx="minor">
+              <a:schemeClr val="tx1"/>
+            </a:fontRef>
+          </p:style>
+        </p:cxnSp>
+        <p:cxnSp>
+          <p:nvCxnSpPr>
+            <p:cNvPr id="4" name="직선 연결선 11">
+              <a:extLst>
+                <a:ext uri="{FF2B5EF4-FFF2-40B4-BE49-F238E27FC236}">
+                  <a16:creationId xmlns:a16="http://schemas.microsoft.com/office/drawing/2014/main" id="{7DF79F58-EC5D-9A29-3B33-19DEB8268A74}"/>
+                </a:ext>
+              </a:extLst>
+            </p:cNvPr>
+            <p:cNvCxnSpPr/>
+            <p:nvPr/>
+          </p:nvCxnSpPr>
+          <p:spPr>
+            <a:xfrm rot="16200000" flipH="1">
+              <a:off x="5566618" y="5173859"/>
+              <a:ext cx="144016" cy="0"/>
+            </a:xfrm>
+            <a:prstGeom prst="line">
+              <a:avLst/>
+            </a:prstGeom>
+            <a:ln>
+              <a:solidFill>
+                <a:schemeClr val="tx1"/>
+              </a:solidFill>
+            </a:ln>
+          </p:spPr>
+          <p:style>
+            <a:lnRef idx="1">
+              <a:schemeClr val="accent1"/>
+            </a:lnRef>
+            <a:fillRef idx="0">
+              <a:schemeClr val="accent1"/>
+            </a:fillRef>
+            <a:effectRef idx="0">
+              <a:schemeClr val="accent1"/>
+            </a:effectRef>
+            <a:fontRef idx="minor">
+              <a:schemeClr val="tx1"/>
+            </a:fontRef>
+          </p:style>
+        </p:cxnSp>
+      </p:grpSp>
     </p:spTree>
     <p:extLst>
       <p:ext uri="{BB962C8B-B14F-4D97-AF65-F5344CB8AC3E}">
@@ -5947,7 +6826,1163 @@
 </p:sld>
 </file>
 
-<file path=ppt/slides/slide5.xml><?xml version="1.0" encoding="utf-8"?>
+<file path=ppt/slides/slide6.xml><?xml version="1.0" encoding="utf-8"?>
+<p:sld xmlns:a="http://schemas.openxmlformats.org/drawingml/2006/main" xmlns:r="http://schemas.openxmlformats.org/officeDocument/2006/relationships" xmlns:p="http://schemas.openxmlformats.org/presentationml/2006/main">
+  <p:cSld>
+    <p:spTree>
+      <p:nvGrpSpPr>
+        <p:cNvPr id="1" name=""/>
+        <p:cNvGrpSpPr/>
+        <p:nvPr/>
+      </p:nvGrpSpPr>
+      <p:grpSpPr>
+        <a:xfrm>
+          <a:off x="0" y="0"/>
+          <a:ext cx="0" cy="0"/>
+          <a:chOff x="0" y="0"/>
+          <a:chExt cx="0" cy="0"/>
+        </a:xfrm>
+      </p:grpSpPr>
+      <p:pic>
+        <p:nvPicPr>
+          <p:cNvPr id="20" name="Picture 2" descr="D:\angeloyeo.github.io\pics\2020-07-07-Euler_Formula\euler_n_3.png"/>
+          <p:cNvPicPr>
+            <a:picLocks noChangeAspect="1" noChangeArrowheads="1"/>
+          </p:cNvPicPr>
+          <p:nvPr/>
+        </p:nvPicPr>
+        <p:blipFill>
+          <a:blip r:embed="rId2">
+            <a:extLst>
+              <a:ext uri="{28A0092B-C50C-407E-A947-70E740481C1C}">
+                <a14:useLocalDpi xmlns:a14="http://schemas.microsoft.com/office/drawing/2010/main" val="0"/>
+              </a:ext>
+            </a:extLst>
+          </a:blip>
+          <a:srcRect/>
+          <a:stretch>
+            <a:fillRect/>
+          </a:stretch>
+        </p:blipFill>
+        <p:spPr bwMode="auto">
+          <a:xfrm>
+            <a:off x="-191294" y="332581"/>
+            <a:ext cx="9526588" cy="6192838"/>
+          </a:xfrm>
+          <a:prstGeom prst="rect">
+            <a:avLst/>
+          </a:prstGeom>
+          <a:noFill/>
+          <a:extLst>
+            <a:ext uri="{909E8E84-426E-40DD-AFC4-6F175D3DCCD1}">
+              <a14:hiddenFill xmlns:a14="http://schemas.microsoft.com/office/drawing/2010/main">
+                <a:solidFill>
+                  <a:srgbClr val="FFFFFF"/>
+                </a:solidFill>
+              </a14:hiddenFill>
+            </a:ext>
+          </a:extLst>
+        </p:spPr>
+      </p:pic>
+      <p:grpSp>
+        <p:nvGrpSpPr>
+          <p:cNvPr id="7" name="그룹 6"/>
+          <p:cNvGrpSpPr/>
+          <p:nvPr/>
+        </p:nvGrpSpPr>
+        <p:grpSpPr>
+          <a:xfrm>
+            <a:off x="5626720" y="5092326"/>
+            <a:ext cx="144016" cy="144016"/>
+            <a:chOff x="5636245" y="5101851"/>
+            <a:chExt cx="144016" cy="144016"/>
+          </a:xfrm>
+        </p:grpSpPr>
+        <p:cxnSp>
+          <p:nvCxnSpPr>
+            <p:cNvPr id="6" name="직선 연결선 5"/>
+            <p:cNvCxnSpPr/>
+            <p:nvPr/>
+          </p:nvCxnSpPr>
+          <p:spPr>
+            <a:xfrm flipH="1">
+              <a:off x="5636245" y="5106613"/>
+              <a:ext cx="144016" cy="0"/>
+            </a:xfrm>
+            <a:prstGeom prst="line">
+              <a:avLst/>
+            </a:prstGeom>
+            <a:ln>
+              <a:solidFill>
+                <a:schemeClr val="tx1"/>
+              </a:solidFill>
+            </a:ln>
+          </p:spPr>
+          <p:style>
+            <a:lnRef idx="1">
+              <a:schemeClr val="accent1"/>
+            </a:lnRef>
+            <a:fillRef idx="0">
+              <a:schemeClr val="accent1"/>
+            </a:fillRef>
+            <a:effectRef idx="0">
+              <a:schemeClr val="accent1"/>
+            </a:effectRef>
+            <a:fontRef idx="minor">
+              <a:schemeClr val="tx1"/>
+            </a:fontRef>
+          </p:style>
+        </p:cxnSp>
+        <p:cxnSp>
+          <p:nvCxnSpPr>
+            <p:cNvPr id="8" name="직선 연결선 7"/>
+            <p:cNvCxnSpPr/>
+            <p:nvPr/>
+          </p:nvCxnSpPr>
+          <p:spPr>
+            <a:xfrm rot="16200000" flipH="1">
+              <a:off x="5566618" y="5173859"/>
+              <a:ext cx="144016" cy="0"/>
+            </a:xfrm>
+            <a:prstGeom prst="line">
+              <a:avLst/>
+            </a:prstGeom>
+            <a:ln>
+              <a:solidFill>
+                <a:schemeClr val="tx1"/>
+              </a:solidFill>
+            </a:ln>
+          </p:spPr>
+          <p:style>
+            <a:lnRef idx="1">
+              <a:schemeClr val="accent1"/>
+            </a:lnRef>
+            <a:fillRef idx="0">
+              <a:schemeClr val="accent1"/>
+            </a:fillRef>
+            <a:effectRef idx="0">
+              <a:schemeClr val="accent1"/>
+            </a:effectRef>
+            <a:fontRef idx="minor">
+              <a:schemeClr val="tx1"/>
+            </a:fontRef>
+          </p:style>
+        </p:cxnSp>
+      </p:grpSp>
+      <p:grpSp>
+        <p:nvGrpSpPr>
+          <p:cNvPr id="10" name="그룹 9"/>
+          <p:cNvGrpSpPr/>
+          <p:nvPr/>
+        </p:nvGrpSpPr>
+        <p:grpSpPr>
+          <a:xfrm rot="20421592">
+            <a:off x="5611142" y="4133501"/>
+            <a:ext cx="144016" cy="144016"/>
+            <a:chOff x="5636245" y="5101851"/>
+            <a:chExt cx="144016" cy="144016"/>
+          </a:xfrm>
+        </p:grpSpPr>
+        <p:cxnSp>
+          <p:nvCxnSpPr>
+            <p:cNvPr id="11" name="직선 연결선 10"/>
+            <p:cNvCxnSpPr/>
+            <p:nvPr/>
+          </p:nvCxnSpPr>
+          <p:spPr>
+            <a:xfrm flipH="1">
+              <a:off x="5636245" y="5106613"/>
+              <a:ext cx="144016" cy="0"/>
+            </a:xfrm>
+            <a:prstGeom prst="line">
+              <a:avLst/>
+            </a:prstGeom>
+            <a:ln>
+              <a:solidFill>
+                <a:schemeClr val="tx1"/>
+              </a:solidFill>
+            </a:ln>
+          </p:spPr>
+          <p:style>
+            <a:lnRef idx="1">
+              <a:schemeClr val="accent1"/>
+            </a:lnRef>
+            <a:fillRef idx="0">
+              <a:schemeClr val="accent1"/>
+            </a:fillRef>
+            <a:effectRef idx="0">
+              <a:schemeClr val="accent1"/>
+            </a:effectRef>
+            <a:fontRef idx="minor">
+              <a:schemeClr val="tx1"/>
+            </a:fontRef>
+          </p:style>
+        </p:cxnSp>
+        <p:cxnSp>
+          <p:nvCxnSpPr>
+            <p:cNvPr id="12" name="직선 연결선 11"/>
+            <p:cNvCxnSpPr/>
+            <p:nvPr/>
+          </p:nvCxnSpPr>
+          <p:spPr>
+            <a:xfrm rot="16200000" flipH="1">
+              <a:off x="5566618" y="5173859"/>
+              <a:ext cx="144016" cy="0"/>
+            </a:xfrm>
+            <a:prstGeom prst="line">
+              <a:avLst/>
+            </a:prstGeom>
+            <a:ln>
+              <a:solidFill>
+                <a:schemeClr val="tx1"/>
+              </a:solidFill>
+            </a:ln>
+          </p:spPr>
+          <p:style>
+            <a:lnRef idx="1">
+              <a:schemeClr val="accent1"/>
+            </a:lnRef>
+            <a:fillRef idx="0">
+              <a:schemeClr val="accent1"/>
+            </a:fillRef>
+            <a:effectRef idx="0">
+              <a:schemeClr val="accent1"/>
+            </a:effectRef>
+            <a:fontRef idx="minor">
+              <a:schemeClr val="tx1"/>
+            </a:fontRef>
+          </p:style>
+        </p:cxnSp>
+      </p:grpSp>
+      <p:cxnSp>
+        <p:nvCxnSpPr>
+          <p:cNvPr id="14" name="직선 연결선 13"/>
+          <p:cNvCxnSpPr/>
+          <p:nvPr/>
+        </p:nvCxnSpPr>
+        <p:spPr>
+          <a:xfrm rot="-60000" flipV="1">
+            <a:off x="2829294" y="4282441"/>
+            <a:ext cx="2932643" cy="944379"/>
+          </a:xfrm>
+          <a:prstGeom prst="line">
+            <a:avLst/>
+          </a:prstGeom>
+          <a:ln w="38100">
+            <a:solidFill>
+              <a:srgbClr val="FF0000"/>
+            </a:solidFill>
+          </a:ln>
+        </p:spPr>
+        <p:style>
+          <a:lnRef idx="1">
+            <a:schemeClr val="accent1"/>
+          </a:lnRef>
+          <a:fillRef idx="0">
+            <a:schemeClr val="accent1"/>
+          </a:fillRef>
+          <a:effectRef idx="0">
+            <a:schemeClr val="accent1"/>
+          </a:effectRef>
+          <a:fontRef idx="minor">
+            <a:schemeClr val="tx1"/>
+          </a:fontRef>
+        </p:style>
+      </p:cxnSp>
+      <p:grpSp>
+        <p:nvGrpSpPr>
+          <p:cNvPr id="15" name="그룹 14"/>
+          <p:cNvGrpSpPr/>
+          <p:nvPr/>
+        </p:nvGrpSpPr>
+        <p:grpSpPr>
+          <a:xfrm>
+            <a:off x="4417537" y="4465642"/>
+            <a:ext cx="1370888" cy="697062"/>
+            <a:chOff x="4417537" y="4465642"/>
+            <a:chExt cx="1370888" cy="697062"/>
+          </a:xfrm>
+        </p:grpSpPr>
+        <p:pic>
+          <p:nvPicPr>
+            <p:cNvPr id="21" name="Picture 4" descr="clip art - Clip Art Library"/>
+            <p:cNvPicPr>
+              <a:picLocks noChangeAspect="1" noChangeArrowheads="1"/>
+            </p:cNvPicPr>
+            <p:nvPr/>
+          </p:nvPicPr>
+          <p:blipFill>
+            <a:blip r:embed="rId3" cstate="print">
+              <a:extLst>
+                <a:ext uri="{BEBA8EAE-BF5A-486C-A8C5-ECC9F3942E4B}">
+                  <a14:imgProps xmlns:a14="http://schemas.microsoft.com/office/drawing/2010/main">
+                    <a14:imgLayer r:embed="rId4">
+                      <a14:imgEffect>
+                        <a14:backgroundRemoval t="4000" b="98000" l="3226" r="95161"/>
+                      </a14:imgEffect>
+                    </a14:imgLayer>
+                  </a14:imgProps>
+                </a:ext>
+                <a:ext uri="{28A0092B-C50C-407E-A947-70E740481C1C}">
+                  <a14:useLocalDpi xmlns:a14="http://schemas.microsoft.com/office/drawing/2010/main" val="0"/>
+                </a:ext>
+              </a:extLst>
+            </a:blip>
+            <a:srcRect/>
+            <a:stretch>
+              <a:fillRect/>
+            </a:stretch>
+          </p:blipFill>
+          <p:spPr bwMode="auto">
+            <a:xfrm>
+              <a:off x="5126683" y="4465642"/>
+              <a:ext cx="561822" cy="353062"/>
+            </a:xfrm>
+            <a:prstGeom prst="rect">
+              <a:avLst/>
+            </a:prstGeom>
+            <a:noFill/>
+            <a:extLst>
+              <a:ext uri="{909E8E84-426E-40DD-AFC4-6F175D3DCCD1}">
+                <a14:hiddenFill xmlns:a14="http://schemas.microsoft.com/office/drawing/2010/main">
+                  <a:solidFill>
+                    <a:srgbClr val="FFFFFF"/>
+                  </a:solidFill>
+                </a14:hiddenFill>
+              </a:ext>
+            </a:extLst>
+          </p:spPr>
+        </p:pic>
+        <p:sp>
+          <p:nvSpPr>
+            <p:cNvPr id="22" name="TextBox 21"/>
+            <p:cNvSpPr txBox="1"/>
+            <p:nvPr/>
+          </p:nvSpPr>
+          <p:spPr>
+            <a:xfrm>
+              <a:off x="4417537" y="4793372"/>
+              <a:ext cx="1370888" cy="369332"/>
+            </a:xfrm>
+            <a:prstGeom prst="rect">
+              <a:avLst/>
+            </a:prstGeom>
+            <a:noFill/>
+          </p:spPr>
+          <p:txBody>
+            <a:bodyPr wrap="none" rtlCol="0">
+              <a:spAutoFit/>
+            </a:bodyPr>
+            <a:lstStyle/>
+            <a:p>
+              <a:pPr algn="ctr"/>
+              <a:r>
+                <a:rPr lang="en-US" altLang="ko-KR" sz="900" dirty="0"/>
+                <a:t>To make the height</a:t>
+              </a:r>
+            </a:p>
+            <a:p>
+              <a:pPr algn="ctr"/>
+              <a:r>
+                <a:rPr lang="en-US" altLang="ko-KR" sz="900" dirty="0"/>
+                <a:t>the 1/3 length of base</a:t>
+              </a:r>
+              <a:endParaRPr lang="ko-KR" altLang="en-US" sz="900" dirty="0"/>
+            </a:p>
+          </p:txBody>
+        </p:sp>
+      </p:grpSp>
+      <p:cxnSp>
+        <p:nvCxnSpPr>
+          <p:cNvPr id="23" name="직선 연결선 22"/>
+          <p:cNvCxnSpPr/>
+          <p:nvPr/>
+        </p:nvCxnSpPr>
+        <p:spPr>
+          <a:xfrm flipV="1">
+            <a:off x="2803204" y="5253583"/>
+            <a:ext cx="2977056" cy="1"/>
+          </a:xfrm>
+          <a:prstGeom prst="line">
+            <a:avLst/>
+          </a:prstGeom>
+          <a:ln w="38100">
+            <a:solidFill>
+              <a:schemeClr val="accent1"/>
+            </a:solidFill>
+          </a:ln>
+        </p:spPr>
+        <p:style>
+          <a:lnRef idx="1">
+            <a:schemeClr val="accent1"/>
+          </a:lnRef>
+          <a:fillRef idx="0">
+            <a:schemeClr val="accent1"/>
+          </a:fillRef>
+          <a:effectRef idx="0">
+            <a:schemeClr val="accent1"/>
+          </a:effectRef>
+          <a:fontRef idx="minor">
+            <a:schemeClr val="tx1"/>
+          </a:fontRef>
+        </p:style>
+      </p:cxnSp>
+      <mc:AlternateContent xmlns:mc="http://schemas.openxmlformats.org/markup-compatibility/2006" xmlns:a14="http://schemas.microsoft.com/office/drawing/2010/main">
+        <mc:Choice Requires="a14">
+          <p:sp>
+            <p:nvSpPr>
+              <p:cNvPr id="31" name="TextBox 30"/>
+              <p:cNvSpPr txBox="1"/>
+              <p:nvPr/>
+            </p:nvSpPr>
+            <p:spPr>
+              <a:xfrm>
+                <a:off x="4468879" y="1607265"/>
+                <a:ext cx="1134093" cy="669607"/>
+              </a:xfrm>
+              <a:prstGeom prst="rect">
+                <a:avLst/>
+              </a:prstGeom>
+              <a:noFill/>
+            </p:spPr>
+            <p:txBody>
+              <a:bodyPr wrap="none" rtlCol="0">
+                <a:spAutoFit/>
+              </a:bodyPr>
+              <a:lstStyle/>
+              <a:p>
+                <a:pPr/>
+                <a14:m>
+                  <m:oMathPara xmlns:m="http://schemas.openxmlformats.org/officeDocument/2006/math">
+                    <m:oMathParaPr>
+                      <m:jc m:val="centerGroup"/>
+                    </m:oMathParaPr>
+                    <m:oMath xmlns:m="http://schemas.openxmlformats.org/officeDocument/2006/math">
+                      <m:sSup>
+                        <m:sSupPr>
+                          <m:ctrlPr>
+                            <a:rPr lang="en-US" altLang="ko-KR" b="0" i="1" smtClean="0">
+                              <a:latin typeface="Cambria Math" panose="02040503050406030204" pitchFamily="18" charset="0"/>
+                            </a:rPr>
+                          </m:ctrlPr>
+                        </m:sSupPr>
+                        <m:e>
+                          <m:d>
+                            <m:dPr>
+                              <m:ctrlPr>
+                                <a:rPr lang="en-US" altLang="ko-KR" b="0" i="1" smtClean="0">
+                                  <a:latin typeface="Cambria Math" panose="02040503050406030204" pitchFamily="18" charset="0"/>
+                                </a:rPr>
+                              </m:ctrlPr>
+                            </m:dPr>
+                            <m:e>
+                              <m:r>
+                                <a:rPr lang="en-US" altLang="ko-KR" b="0" i="1" smtClean="0">
+                                  <a:latin typeface="Cambria Math"/>
+                                </a:rPr>
+                                <m:t>1+</m:t>
+                              </m:r>
+                              <m:f>
+                                <m:fPr>
+                                  <m:ctrlPr>
+                                    <a:rPr lang="en-US" altLang="ko-KR" b="0" i="1" smtClean="0">
+                                      <a:latin typeface="Cambria Math" panose="02040503050406030204" pitchFamily="18" charset="0"/>
+                                    </a:rPr>
+                                  </m:ctrlPr>
+                                </m:fPr>
+                                <m:num>
+                                  <m:r>
+                                    <a:rPr lang="en-US" altLang="ko-KR" b="0" i="1" smtClean="0">
+                                      <a:latin typeface="Cambria Math"/>
+                                    </a:rPr>
+                                    <m:t>𝑖</m:t>
+                                  </m:r>
+                                </m:num>
+                                <m:den>
+                                  <m:r>
+                                    <a:rPr lang="en-US" altLang="ko-KR" b="0" i="1" smtClean="0">
+                                      <a:latin typeface="Cambria Math"/>
+                                    </a:rPr>
+                                    <m:t>3</m:t>
+                                  </m:r>
+                                </m:den>
+                              </m:f>
+                            </m:e>
+                          </m:d>
+                        </m:e>
+                        <m:sup>
+                          <m:r>
+                            <a:rPr lang="en-US" altLang="ko-KR" b="0" i="1" smtClean="0">
+                              <a:latin typeface="Cambria Math"/>
+                            </a:rPr>
+                            <m:t>3</m:t>
+                          </m:r>
+                        </m:sup>
+                      </m:sSup>
+                    </m:oMath>
+                  </m:oMathPara>
+                </a14:m>
+                <a:endParaRPr lang="ko-KR" altLang="en-US" dirty="0"/>
+              </a:p>
+            </p:txBody>
+          </p:sp>
+        </mc:Choice>
+        <mc:Fallback xmlns="">
+          <p:sp>
+            <p:nvSpPr>
+              <p:cNvPr id="31" name="TextBox 30"/>
+              <p:cNvSpPr txBox="1">
+                <a:spLocks noRot="1" noChangeAspect="1" noMove="1" noResize="1" noEditPoints="1" noAdjustHandles="1" noChangeArrowheads="1" noChangeShapeType="1" noTextEdit="1"/>
+              </p:cNvSpPr>
+              <p:nvPr/>
+            </p:nvSpPr>
+            <p:spPr>
+              <a:xfrm>
+                <a:off x="4468879" y="1607265"/>
+                <a:ext cx="1134093" cy="669607"/>
+              </a:xfrm>
+              <a:prstGeom prst="rect">
+                <a:avLst/>
+              </a:prstGeom>
+              <a:blipFill rotWithShape="1">
+                <a:blip r:embed="rId6"/>
+                <a:stretch>
+                  <a:fillRect/>
+                </a:stretch>
+              </a:blipFill>
+            </p:spPr>
+            <p:txBody>
+              <a:bodyPr/>
+              <a:lstStyle/>
+              <a:p>
+                <a:r>
+                  <a:rPr lang="ko-KR" altLang="en-US">
+                    <a:noFill/>
+                  </a:rPr>
+                  <a:t> </a:t>
+                </a:r>
+              </a:p>
+            </p:txBody>
+          </p:sp>
+        </mc:Fallback>
+      </mc:AlternateContent>
+      <mc:AlternateContent xmlns:mc="http://schemas.openxmlformats.org/markup-compatibility/2006" xmlns:a14="http://schemas.microsoft.com/office/drawing/2010/main">
+        <mc:Choice Requires="a14">
+          <p:sp>
+            <p:nvSpPr>
+              <p:cNvPr id="34" name="TextBox 33"/>
+              <p:cNvSpPr txBox="1"/>
+              <p:nvPr/>
+            </p:nvSpPr>
+            <p:spPr>
+              <a:xfrm>
+                <a:off x="5770736" y="3921455"/>
+                <a:ext cx="1026755" cy="614912"/>
+              </a:xfrm>
+              <a:prstGeom prst="rect">
+                <a:avLst/>
+              </a:prstGeom>
+              <a:noFill/>
+            </p:spPr>
+            <p:txBody>
+              <a:bodyPr wrap="none" rtlCol="0">
+                <a:spAutoFit/>
+              </a:bodyPr>
+              <a:lstStyle/>
+              <a:p>
+                <a:pPr/>
+                <a14:m>
+                  <m:oMathPara xmlns:m="http://schemas.openxmlformats.org/officeDocument/2006/math">
+                    <m:oMathParaPr>
+                      <m:jc m:val="centerGroup"/>
+                    </m:oMathParaPr>
+                    <m:oMath xmlns:m="http://schemas.openxmlformats.org/officeDocument/2006/math">
+                      <m:d>
+                        <m:dPr>
+                          <m:ctrlPr>
+                            <a:rPr lang="en-US" altLang="ko-KR" b="0" i="1" smtClean="0">
+                              <a:latin typeface="Cambria Math" panose="02040503050406030204" pitchFamily="18" charset="0"/>
+                            </a:rPr>
+                          </m:ctrlPr>
+                        </m:dPr>
+                        <m:e>
+                          <m:r>
+                            <a:rPr lang="en-US" altLang="ko-KR" b="0" i="1" smtClean="0">
+                              <a:latin typeface="Cambria Math"/>
+                            </a:rPr>
+                            <m:t>1+</m:t>
+                          </m:r>
+                          <m:f>
+                            <m:fPr>
+                              <m:ctrlPr>
+                                <a:rPr lang="en-US" altLang="ko-KR" b="0" i="1" smtClean="0">
+                                  <a:latin typeface="Cambria Math" panose="02040503050406030204" pitchFamily="18" charset="0"/>
+                                </a:rPr>
+                              </m:ctrlPr>
+                            </m:fPr>
+                            <m:num>
+                              <m:r>
+                                <a:rPr lang="en-US" altLang="ko-KR" b="0" i="1" smtClean="0">
+                                  <a:latin typeface="Cambria Math"/>
+                                </a:rPr>
+                                <m:t>𝑖</m:t>
+                              </m:r>
+                            </m:num>
+                            <m:den>
+                              <m:r>
+                                <a:rPr lang="en-US" altLang="ko-KR" b="0" i="1" smtClean="0">
+                                  <a:latin typeface="Cambria Math"/>
+                                </a:rPr>
+                                <m:t>3</m:t>
+                              </m:r>
+                            </m:den>
+                          </m:f>
+                        </m:e>
+                      </m:d>
+                    </m:oMath>
+                  </m:oMathPara>
+                </a14:m>
+                <a:endParaRPr lang="ko-KR" altLang="en-US" dirty="0"/>
+              </a:p>
+            </p:txBody>
+          </p:sp>
+        </mc:Choice>
+        <mc:Fallback xmlns="">
+          <p:sp>
+            <p:nvSpPr>
+              <p:cNvPr id="34" name="TextBox 33"/>
+              <p:cNvSpPr txBox="1">
+                <a:spLocks noRot="1" noChangeAspect="1" noMove="1" noResize="1" noEditPoints="1" noAdjustHandles="1" noChangeArrowheads="1" noChangeShapeType="1" noTextEdit="1"/>
+              </p:cNvSpPr>
+              <p:nvPr/>
+            </p:nvSpPr>
+            <p:spPr>
+              <a:xfrm>
+                <a:off x="5770736" y="3921455"/>
+                <a:ext cx="1026755" cy="614912"/>
+              </a:xfrm>
+              <a:prstGeom prst="rect">
+                <a:avLst/>
+              </a:prstGeom>
+              <a:blipFill rotWithShape="1">
+                <a:blip r:embed="rId7"/>
+                <a:stretch>
+                  <a:fillRect/>
+                </a:stretch>
+              </a:blipFill>
+            </p:spPr>
+            <p:txBody>
+              <a:bodyPr/>
+              <a:lstStyle/>
+              <a:p>
+                <a:r>
+                  <a:rPr lang="ko-KR" altLang="en-US">
+                    <a:noFill/>
+                  </a:rPr>
+                  <a:t> </a:t>
+                </a:r>
+              </a:p>
+            </p:txBody>
+          </p:sp>
+        </mc:Fallback>
+      </mc:AlternateContent>
+      <p:grpSp>
+        <p:nvGrpSpPr>
+          <p:cNvPr id="32" name="그룹 31"/>
+          <p:cNvGrpSpPr/>
+          <p:nvPr/>
+        </p:nvGrpSpPr>
+        <p:grpSpPr>
+          <a:xfrm rot="20457536">
+            <a:off x="4132840" y="3754721"/>
+            <a:ext cx="1505556" cy="675589"/>
+            <a:chOff x="4182949" y="4465642"/>
+            <a:chExt cx="1505556" cy="675589"/>
+          </a:xfrm>
+        </p:grpSpPr>
+        <p:pic>
+          <p:nvPicPr>
+            <p:cNvPr id="33" name="Picture 4" descr="clip art - Clip Art Library"/>
+            <p:cNvPicPr>
+              <a:picLocks noChangeAspect="1" noChangeArrowheads="1"/>
+            </p:cNvPicPr>
+            <p:nvPr/>
+          </p:nvPicPr>
+          <p:blipFill>
+            <a:blip r:embed="rId3" cstate="print">
+              <a:extLst>
+                <a:ext uri="{BEBA8EAE-BF5A-486C-A8C5-ECC9F3942E4B}">
+                  <a14:imgProps xmlns:a14="http://schemas.microsoft.com/office/drawing/2010/main">
+                    <a14:imgLayer r:embed="rId4">
+                      <a14:imgEffect>
+                        <a14:backgroundRemoval t="4000" b="98000" l="3226" r="95161"/>
+                      </a14:imgEffect>
+                    </a14:imgLayer>
+                  </a14:imgProps>
+                </a:ext>
+                <a:ext uri="{28A0092B-C50C-407E-A947-70E740481C1C}">
+                  <a14:useLocalDpi xmlns:a14="http://schemas.microsoft.com/office/drawing/2010/main" val="0"/>
+                </a:ext>
+              </a:extLst>
+            </a:blip>
+            <a:srcRect/>
+            <a:stretch>
+              <a:fillRect/>
+            </a:stretch>
+          </p:blipFill>
+          <p:spPr bwMode="auto">
+            <a:xfrm>
+              <a:off x="5126683" y="4465642"/>
+              <a:ext cx="561822" cy="353062"/>
+            </a:xfrm>
+            <a:prstGeom prst="rect">
+              <a:avLst/>
+            </a:prstGeom>
+            <a:noFill/>
+            <a:extLst>
+              <a:ext uri="{909E8E84-426E-40DD-AFC4-6F175D3DCCD1}">
+                <a14:hiddenFill xmlns:a14="http://schemas.microsoft.com/office/drawing/2010/main">
+                  <a:solidFill>
+                    <a:srgbClr val="FFFFFF"/>
+                  </a:solidFill>
+                </a14:hiddenFill>
+              </a:ext>
+            </a:extLst>
+          </p:spPr>
+        </p:pic>
+        <p:sp>
+          <p:nvSpPr>
+            <p:cNvPr id="35" name="TextBox 34"/>
+            <p:cNvSpPr txBox="1"/>
+            <p:nvPr/>
+          </p:nvSpPr>
+          <p:spPr>
+            <a:xfrm>
+              <a:off x="4182949" y="4771899"/>
+              <a:ext cx="1370888" cy="369332"/>
+            </a:xfrm>
+            <a:prstGeom prst="rect">
+              <a:avLst/>
+            </a:prstGeom>
+            <a:noFill/>
+          </p:spPr>
+          <p:txBody>
+            <a:bodyPr wrap="none" rtlCol="0">
+              <a:spAutoFit/>
+            </a:bodyPr>
+            <a:lstStyle/>
+            <a:p>
+              <a:pPr algn="ctr"/>
+              <a:r>
+                <a:rPr lang="en-US" altLang="ko-KR" sz="900" dirty="0"/>
+                <a:t>To make the height</a:t>
+              </a:r>
+            </a:p>
+            <a:p>
+              <a:pPr algn="ctr"/>
+              <a:r>
+                <a:rPr lang="en-US" altLang="ko-KR" sz="900" dirty="0"/>
+                <a:t>the 1/3 length of base</a:t>
+              </a:r>
+              <a:endParaRPr lang="ko-KR" altLang="en-US" sz="900" dirty="0"/>
+            </a:p>
+          </p:txBody>
+        </p:sp>
+      </p:grpSp>
+      <mc:AlternateContent xmlns:mc="http://schemas.openxmlformats.org/markup-compatibility/2006" xmlns:a14="http://schemas.microsoft.com/office/drawing/2010/main">
+        <mc:Choice Requires="a14">
+          <p:sp>
+            <p:nvSpPr>
+              <p:cNvPr id="36" name="TextBox 35"/>
+              <p:cNvSpPr txBox="1"/>
+              <p:nvPr/>
+            </p:nvSpPr>
+            <p:spPr>
+              <a:xfrm>
+                <a:off x="5436096" y="2825530"/>
+                <a:ext cx="1134093" cy="669607"/>
+              </a:xfrm>
+              <a:prstGeom prst="rect">
+                <a:avLst/>
+              </a:prstGeom>
+              <a:noFill/>
+            </p:spPr>
+            <p:txBody>
+              <a:bodyPr wrap="none" rtlCol="0">
+                <a:spAutoFit/>
+              </a:bodyPr>
+              <a:lstStyle/>
+              <a:p>
+                <a:pPr/>
+                <a14:m>
+                  <m:oMathPara xmlns:m="http://schemas.openxmlformats.org/officeDocument/2006/math">
+                    <m:oMathParaPr>
+                      <m:jc m:val="centerGroup"/>
+                    </m:oMathParaPr>
+                    <m:oMath xmlns:m="http://schemas.openxmlformats.org/officeDocument/2006/math">
+                      <m:sSup>
+                        <m:sSupPr>
+                          <m:ctrlPr>
+                            <a:rPr lang="en-US" altLang="ko-KR" b="0" i="1" smtClean="0">
+                              <a:latin typeface="Cambria Math" panose="02040503050406030204" pitchFamily="18" charset="0"/>
+                            </a:rPr>
+                          </m:ctrlPr>
+                        </m:sSupPr>
+                        <m:e>
+                          <m:d>
+                            <m:dPr>
+                              <m:ctrlPr>
+                                <a:rPr lang="en-US" altLang="ko-KR" b="0" i="1" smtClean="0">
+                                  <a:latin typeface="Cambria Math" panose="02040503050406030204" pitchFamily="18" charset="0"/>
+                                </a:rPr>
+                              </m:ctrlPr>
+                            </m:dPr>
+                            <m:e>
+                              <m:r>
+                                <a:rPr lang="en-US" altLang="ko-KR" b="0" i="1" smtClean="0">
+                                  <a:latin typeface="Cambria Math"/>
+                                </a:rPr>
+                                <m:t>1+</m:t>
+                              </m:r>
+                              <m:f>
+                                <m:fPr>
+                                  <m:ctrlPr>
+                                    <a:rPr lang="en-US" altLang="ko-KR" b="0" i="1" smtClean="0">
+                                      <a:latin typeface="Cambria Math" panose="02040503050406030204" pitchFamily="18" charset="0"/>
+                                    </a:rPr>
+                                  </m:ctrlPr>
+                                </m:fPr>
+                                <m:num>
+                                  <m:r>
+                                    <a:rPr lang="en-US" altLang="ko-KR" b="0" i="1" smtClean="0">
+                                      <a:latin typeface="Cambria Math"/>
+                                    </a:rPr>
+                                    <m:t>𝑖</m:t>
+                                  </m:r>
+                                </m:num>
+                                <m:den>
+                                  <m:r>
+                                    <a:rPr lang="en-US" altLang="ko-KR" b="0" i="1" smtClean="0">
+                                      <a:latin typeface="Cambria Math"/>
+                                    </a:rPr>
+                                    <m:t>3</m:t>
+                                  </m:r>
+                                </m:den>
+                              </m:f>
+                            </m:e>
+                          </m:d>
+                        </m:e>
+                        <m:sup>
+                          <m:r>
+                            <a:rPr lang="en-US" altLang="ko-KR" b="0" i="1" smtClean="0">
+                              <a:latin typeface="Cambria Math"/>
+                            </a:rPr>
+                            <m:t>2</m:t>
+                          </m:r>
+                        </m:sup>
+                      </m:sSup>
+                    </m:oMath>
+                  </m:oMathPara>
+                </a14:m>
+                <a:endParaRPr lang="ko-KR" altLang="en-US" dirty="0"/>
+              </a:p>
+            </p:txBody>
+          </p:sp>
+        </mc:Choice>
+        <mc:Fallback xmlns="">
+          <p:sp>
+            <p:nvSpPr>
+              <p:cNvPr id="36" name="TextBox 35"/>
+              <p:cNvSpPr txBox="1">
+                <a:spLocks noRot="1" noChangeAspect="1" noMove="1" noResize="1" noEditPoints="1" noAdjustHandles="1" noChangeArrowheads="1" noChangeShapeType="1" noTextEdit="1"/>
+              </p:cNvSpPr>
+              <p:nvPr/>
+            </p:nvSpPr>
+            <p:spPr>
+              <a:xfrm>
+                <a:off x="5436096" y="2825530"/>
+                <a:ext cx="1134093" cy="669607"/>
+              </a:xfrm>
+              <a:prstGeom prst="rect">
+                <a:avLst/>
+              </a:prstGeom>
+              <a:blipFill rotWithShape="1">
+                <a:blip r:embed="rId9"/>
+                <a:stretch>
+                  <a:fillRect/>
+                </a:stretch>
+              </a:blipFill>
+            </p:spPr>
+            <p:txBody>
+              <a:bodyPr/>
+              <a:lstStyle/>
+              <a:p>
+                <a:r>
+                  <a:rPr lang="ko-KR" altLang="en-US">
+                    <a:noFill/>
+                  </a:rPr>
+                  <a:t> </a:t>
+                </a:r>
+              </a:p>
+            </p:txBody>
+          </p:sp>
+        </mc:Fallback>
+      </mc:AlternateContent>
+      <p:grpSp>
+        <p:nvGrpSpPr>
+          <p:cNvPr id="24" name="그룹 23"/>
+          <p:cNvGrpSpPr/>
+          <p:nvPr/>
+        </p:nvGrpSpPr>
+        <p:grpSpPr>
+          <a:xfrm rot="20099990">
+            <a:off x="3879468" y="2994391"/>
+            <a:ext cx="1370888" cy="725595"/>
+            <a:chOff x="4417538" y="4465642"/>
+            <a:chExt cx="1370888" cy="725595"/>
+          </a:xfrm>
+        </p:grpSpPr>
+        <p:pic>
+          <p:nvPicPr>
+            <p:cNvPr id="25" name="Picture 4" descr="clip art - Clip Art Library"/>
+            <p:cNvPicPr>
+              <a:picLocks noChangeAspect="1" noChangeArrowheads="1"/>
+            </p:cNvPicPr>
+            <p:nvPr/>
+          </p:nvPicPr>
+          <p:blipFill>
+            <a:blip r:embed="rId3" cstate="print">
+              <a:extLst>
+                <a:ext uri="{BEBA8EAE-BF5A-486C-A8C5-ECC9F3942E4B}">
+                  <a14:imgProps xmlns:a14="http://schemas.microsoft.com/office/drawing/2010/main">
+                    <a14:imgLayer r:embed="rId4">
+                      <a14:imgEffect>
+                        <a14:backgroundRemoval t="4000" b="98000" l="3226" r="95161"/>
+                      </a14:imgEffect>
+                    </a14:imgLayer>
+                  </a14:imgProps>
+                </a:ext>
+                <a:ext uri="{28A0092B-C50C-407E-A947-70E740481C1C}">
+                  <a14:useLocalDpi xmlns:a14="http://schemas.microsoft.com/office/drawing/2010/main" val="0"/>
+                </a:ext>
+              </a:extLst>
+            </a:blip>
+            <a:srcRect/>
+            <a:stretch>
+              <a:fillRect/>
+            </a:stretch>
+          </p:blipFill>
+          <p:spPr bwMode="auto">
+            <a:xfrm>
+              <a:off x="5126683" y="4465642"/>
+              <a:ext cx="561822" cy="353062"/>
+            </a:xfrm>
+            <a:prstGeom prst="rect">
+              <a:avLst/>
+            </a:prstGeom>
+            <a:noFill/>
+            <a:extLst>
+              <a:ext uri="{909E8E84-426E-40DD-AFC4-6F175D3DCCD1}">
+                <a14:hiddenFill xmlns:a14="http://schemas.microsoft.com/office/drawing/2010/main">
+                  <a:solidFill>
+                    <a:srgbClr val="FFFFFF"/>
+                  </a:solidFill>
+                </a14:hiddenFill>
+              </a:ext>
+            </a:extLst>
+          </p:spPr>
+        </p:pic>
+        <p:sp>
+          <p:nvSpPr>
+            <p:cNvPr id="26" name="TextBox 25"/>
+            <p:cNvSpPr txBox="1"/>
+            <p:nvPr/>
+          </p:nvSpPr>
+          <p:spPr>
+            <a:xfrm>
+              <a:off x="4417538" y="4821905"/>
+              <a:ext cx="1370888" cy="369332"/>
+            </a:xfrm>
+            <a:prstGeom prst="rect">
+              <a:avLst/>
+            </a:prstGeom>
+            <a:noFill/>
+          </p:spPr>
+          <p:txBody>
+            <a:bodyPr wrap="none" rtlCol="0">
+              <a:spAutoFit/>
+            </a:bodyPr>
+            <a:lstStyle/>
+            <a:p>
+              <a:pPr algn="ctr"/>
+              <a:r>
+                <a:rPr lang="en-US" altLang="ko-KR" sz="900" dirty="0"/>
+                <a:t>To make the height</a:t>
+              </a:r>
+            </a:p>
+            <a:p>
+              <a:pPr algn="ctr"/>
+              <a:r>
+                <a:rPr lang="en-US" altLang="ko-KR" sz="900" dirty="0"/>
+                <a:t>the 1/3 length of base</a:t>
+              </a:r>
+              <a:endParaRPr lang="ko-KR" altLang="en-US" sz="900" dirty="0"/>
+            </a:p>
+          </p:txBody>
+        </p:sp>
+      </p:grpSp>
+      <p:cxnSp>
+        <p:nvCxnSpPr>
+          <p:cNvPr id="27" name="직선 연결선 26"/>
+          <p:cNvCxnSpPr/>
+          <p:nvPr/>
+        </p:nvCxnSpPr>
+        <p:spPr>
+          <a:xfrm flipV="1">
+            <a:off x="2803204" y="3285824"/>
+            <a:ext cx="2618081" cy="1967760"/>
+          </a:xfrm>
+          <a:prstGeom prst="line">
+            <a:avLst/>
+          </a:prstGeom>
+          <a:ln w="38100">
+            <a:solidFill>
+              <a:schemeClr val="accent3"/>
+            </a:solidFill>
+          </a:ln>
+        </p:spPr>
+        <p:style>
+          <a:lnRef idx="1">
+            <a:schemeClr val="accent1"/>
+          </a:lnRef>
+          <a:fillRef idx="0">
+            <a:schemeClr val="accent1"/>
+          </a:fillRef>
+          <a:effectRef idx="0">
+            <a:schemeClr val="accent1"/>
+          </a:effectRef>
+          <a:fontRef idx="minor">
+            <a:schemeClr val="tx1"/>
+          </a:fontRef>
+        </p:style>
+      </p:cxnSp>
+      <p:grpSp>
+        <p:nvGrpSpPr>
+          <p:cNvPr id="2" name="그룹 9">
+            <a:extLst>
+              <a:ext uri="{FF2B5EF4-FFF2-40B4-BE49-F238E27FC236}">
+                <a16:creationId xmlns:a16="http://schemas.microsoft.com/office/drawing/2014/main" id="{F6658FD0-5F1F-2719-C8C2-47FD46B20A1A}"/>
+              </a:ext>
+            </a:extLst>
+          </p:cNvPr>
+          <p:cNvGrpSpPr/>
+          <p:nvPr/>
+        </p:nvGrpSpPr>
+        <p:grpSpPr>
+          <a:xfrm rot="19398795">
+            <a:off x="5261529" y="3169725"/>
+            <a:ext cx="144016" cy="144016"/>
+            <a:chOff x="5636245" y="5101851"/>
+            <a:chExt cx="144016" cy="144016"/>
+          </a:xfrm>
+        </p:grpSpPr>
+        <p:cxnSp>
+          <p:nvCxnSpPr>
+            <p:cNvPr id="3" name="직선 연결선 10">
+              <a:extLst>
+                <a:ext uri="{FF2B5EF4-FFF2-40B4-BE49-F238E27FC236}">
+                  <a16:creationId xmlns:a16="http://schemas.microsoft.com/office/drawing/2014/main" id="{BAA62F83-B2E6-8F6E-817E-61C2824F9B9D}"/>
+                </a:ext>
+              </a:extLst>
+            </p:cNvPr>
+            <p:cNvCxnSpPr/>
+            <p:nvPr/>
+          </p:nvCxnSpPr>
+          <p:spPr>
+            <a:xfrm flipH="1">
+              <a:off x="5636245" y="5106613"/>
+              <a:ext cx="144016" cy="0"/>
+            </a:xfrm>
+            <a:prstGeom prst="line">
+              <a:avLst/>
+            </a:prstGeom>
+            <a:ln>
+              <a:solidFill>
+                <a:schemeClr val="tx1"/>
+              </a:solidFill>
+            </a:ln>
+          </p:spPr>
+          <p:style>
+            <a:lnRef idx="1">
+              <a:schemeClr val="accent1"/>
+            </a:lnRef>
+            <a:fillRef idx="0">
+              <a:schemeClr val="accent1"/>
+            </a:fillRef>
+            <a:effectRef idx="0">
+              <a:schemeClr val="accent1"/>
+            </a:effectRef>
+            <a:fontRef idx="minor">
+              <a:schemeClr val="tx1"/>
+            </a:fontRef>
+          </p:style>
+        </p:cxnSp>
+        <p:cxnSp>
+          <p:nvCxnSpPr>
+            <p:cNvPr id="4" name="직선 연결선 11">
+              <a:extLst>
+                <a:ext uri="{FF2B5EF4-FFF2-40B4-BE49-F238E27FC236}">
+                  <a16:creationId xmlns:a16="http://schemas.microsoft.com/office/drawing/2014/main" id="{55ADEEDD-AE5A-F314-1750-588F3822A2EB}"/>
+                </a:ext>
+              </a:extLst>
+            </p:cNvPr>
+            <p:cNvCxnSpPr/>
+            <p:nvPr/>
+          </p:nvCxnSpPr>
+          <p:spPr>
+            <a:xfrm rot="16200000" flipH="1">
+              <a:off x="5566618" y="5173859"/>
+              <a:ext cx="144016" cy="0"/>
+            </a:xfrm>
+            <a:prstGeom prst="line">
+              <a:avLst/>
+            </a:prstGeom>
+            <a:ln>
+              <a:solidFill>
+                <a:schemeClr val="tx1"/>
+              </a:solidFill>
+            </a:ln>
+          </p:spPr>
+          <p:style>
+            <a:lnRef idx="1">
+              <a:schemeClr val="accent1"/>
+            </a:lnRef>
+            <a:fillRef idx="0">
+              <a:schemeClr val="accent1"/>
+            </a:fillRef>
+            <a:effectRef idx="0">
+              <a:schemeClr val="accent1"/>
+            </a:effectRef>
+            <a:fontRef idx="minor">
+              <a:schemeClr val="tx1"/>
+            </a:fontRef>
+          </p:style>
+        </p:cxnSp>
+      </p:grpSp>
+    </p:spTree>
+    <p:extLst>
+      <p:ext uri="{BB962C8B-B14F-4D97-AF65-F5344CB8AC3E}">
+        <p14:creationId xmlns:p14="http://schemas.microsoft.com/office/powerpoint/2010/main" val="2088423306"/>
+      </p:ext>
+    </p:extLst>
+  </p:cSld>
+  <p:clrMapOvr>
+    <a:masterClrMapping/>
+  </p:clrMapOvr>
+</p:sld>
+</file>
+
+<file path=ppt/slides/slide7.xml><?xml version="1.0" encoding="utf-8"?>
 <p:sld xmlns:a="http://schemas.openxmlformats.org/drawingml/2006/main" xmlns:r="http://schemas.openxmlformats.org/officeDocument/2006/relationships" xmlns:p="http://schemas.openxmlformats.org/presentationml/2006/main">
   <p:cSld>
     <p:spTree>
